--- a/ACtoPPO.pptx
+++ b/ACtoPPO.pptx
@@ -5,7 +5,13 @@
     <p:sldMasterId id="2147483648" r:id="rId1"/>
   </p:sldMasterIdLst>
   <p:sldIdLst>
-    <p:sldId id="256" r:id="rId2"/>
+    <p:sldId id="259" r:id="rId2"/>
+    <p:sldId id="256" r:id="rId3"/>
+    <p:sldId id="261" r:id="rId4"/>
+    <p:sldId id="260" r:id="rId5"/>
+    <p:sldId id="257" r:id="rId6"/>
+    <p:sldId id="258" r:id="rId7"/>
+    <p:sldId id="262" r:id="rId8"/>
   </p:sldIdLst>
   <p:sldSz cx="12192000" cy="6858000"/>
   <p:notesSz cx="6858000" cy="9144000"/>
@@ -104,6 +110,11 @@
       </a:defRPr>
     </a:lvl9pPr>
   </p:defaultTextStyle>
+  <p:extLst>
+    <p:ext uri="{EFAFB233-063F-42B5-8137-9DF3F51BA10A}">
+      <p15:sldGuideLst xmlns:p15="http://schemas.microsoft.com/office/powerpoint/2012/main"/>
+    </p:ext>
+  </p:extLst>
 </p:presentation>
 </file>
 
@@ -3309,6 +3320,281 @@
   <p:cSld>
     <p:spTree>
       <p:nvGrpSpPr>
+        <p:cNvPr id="1" name="">
+          <a:extLst>
+            <a:ext uri="{FF2B5EF4-FFF2-40B4-BE49-F238E27FC236}">
+              <a16:creationId xmlns:a16="http://schemas.microsoft.com/office/drawing/2014/main" id="{831DFDF0-734A-30CE-94AC-58E6080A92B7}"/>
+            </a:ext>
+          </a:extLst>
+        </p:cNvPr>
+        <p:cNvGrpSpPr/>
+        <p:nvPr/>
+      </p:nvGrpSpPr>
+      <p:grpSpPr>
+        <a:xfrm>
+          <a:off x="0" y="0"/>
+          <a:ext cx="0" cy="0"/>
+          <a:chOff x="0" y="0"/>
+          <a:chExt cx="0" cy="0"/>
+        </a:xfrm>
+      </p:grpSpPr>
+      <p:sp>
+        <p:nvSpPr>
+          <p:cNvPr id="4" name="文本框 3">
+            <a:extLst>
+              <a:ext uri="{FF2B5EF4-FFF2-40B4-BE49-F238E27FC236}">
+                <a16:creationId xmlns:a16="http://schemas.microsoft.com/office/drawing/2014/main" id="{C0EDCCD7-B0B3-F49A-14D2-A62F162179CA}"/>
+              </a:ext>
+            </a:extLst>
+          </p:cNvPr>
+          <p:cNvSpPr txBox="1"/>
+          <p:nvPr/>
+        </p:nvSpPr>
+        <p:spPr>
+          <a:xfrm>
+            <a:off x="914401" y="424543"/>
+            <a:ext cx="2220686" cy="461665"/>
+          </a:xfrm>
+          <a:prstGeom prst="rect">
+            <a:avLst/>
+          </a:prstGeom>
+          <a:noFill/>
+        </p:spPr>
+        <p:txBody>
+          <a:bodyPr wrap="square" rtlCol="0">
+            <a:spAutoFit/>
+          </a:bodyPr>
+          <a:lstStyle/>
+          <a:p>
+            <a:r>
+              <a:rPr lang="en-US" altLang="zh-CN" sz="2400" dirty="0">
+                <a:latin typeface="Times New Roman" panose="02020603050405020304" pitchFamily="18" charset="0"/>
+                <a:cs typeface="Times New Roman" panose="02020603050405020304" pitchFamily="18" charset="0"/>
+              </a:rPr>
+              <a:t>Policy Gradient</a:t>
+            </a:r>
+          </a:p>
+        </p:txBody>
+      </p:sp>
+      <p:graphicFrame>
+        <p:nvGraphicFramePr>
+          <p:cNvPr id="5" name="对象 4">
+            <a:extLst>
+              <a:ext uri="{FF2B5EF4-FFF2-40B4-BE49-F238E27FC236}">
+                <a16:creationId xmlns:a16="http://schemas.microsoft.com/office/drawing/2014/main" id="{00235AA2-6EDA-700A-D5EB-C91F3BAE354F}"/>
+              </a:ext>
+            </a:extLst>
+          </p:cNvPr>
+          <p:cNvGraphicFramePr>
+            <a:graphicFrameLocks noChangeAspect="1"/>
+          </p:cNvGraphicFramePr>
+          <p:nvPr>
+            <p:extLst>
+              <p:ext uri="{D42A27DB-BD31-4B8C-83A1-F6EECF244321}">
+                <p14:modId xmlns:p14="http://schemas.microsoft.com/office/powerpoint/2010/main" val="2962059400"/>
+              </p:ext>
+            </p:extLst>
+          </p:nvPr>
+        </p:nvGraphicFramePr>
+        <p:xfrm>
+          <a:off x="971214" y="2548051"/>
+          <a:ext cx="5870456" cy="1761898"/>
+        </p:xfrm>
+        <a:graphic>
+          <a:graphicData uri="http://schemas.openxmlformats.org/presentationml/2006/ole">
+            <mc:AlternateContent xmlns:mc="http://schemas.openxmlformats.org/markup-compatibility/2006">
+              <mc:Choice xmlns:v="urn:schemas-microsoft-com:vml" Requires="v">
+                <p:oleObj name="AxMath" r:id="rId2" imgW="2871000" imgH="861480" progId="Equation.AxMath">
+                  <p:embed/>
+                </p:oleObj>
+              </mc:Choice>
+              <mc:Fallback>
+                <p:oleObj name="AxMath" r:id="rId2" imgW="2871000" imgH="861480" progId="Equation.AxMath">
+                  <p:embed/>
+                  <p:pic>
+                    <p:nvPicPr>
+                      <p:cNvPr id="5" name="对象 4">
+                        <a:extLst>
+                          <a:ext uri="{FF2B5EF4-FFF2-40B4-BE49-F238E27FC236}">
+                            <a16:creationId xmlns:a16="http://schemas.microsoft.com/office/drawing/2014/main" id="{1A7EEB54-1BBB-DC68-7E3A-253977726745}"/>
+                          </a:ext>
+                        </a:extLst>
+                      </p:cNvPr>
+                      <p:cNvPicPr/>
+                      <p:nvPr/>
+                    </p:nvPicPr>
+                    <p:blipFill>
+                      <a:blip r:embed="rId3"/>
+                      <a:stretch>
+                        <a:fillRect/>
+                      </a:stretch>
+                    </p:blipFill>
+                    <p:spPr>
+                      <a:xfrm>
+                        <a:off x="971214" y="2548051"/>
+                        <a:ext cx="5870456" cy="1761898"/>
+                      </a:xfrm>
+                      <a:prstGeom prst="rect">
+                        <a:avLst/>
+                      </a:prstGeom>
+                    </p:spPr>
+                  </p:pic>
+                </p:oleObj>
+              </mc:Fallback>
+            </mc:AlternateContent>
+          </a:graphicData>
+        </a:graphic>
+      </p:graphicFrame>
+      <p:graphicFrame>
+        <p:nvGraphicFramePr>
+          <p:cNvPr id="7" name="对象 6">
+            <a:extLst>
+              <a:ext uri="{FF2B5EF4-FFF2-40B4-BE49-F238E27FC236}">
+                <a16:creationId xmlns:a16="http://schemas.microsoft.com/office/drawing/2014/main" id="{45C80A38-CB17-C0C2-CF83-D2E995E671DE}"/>
+              </a:ext>
+            </a:extLst>
+          </p:cNvPr>
+          <p:cNvGraphicFramePr>
+            <a:graphicFrameLocks noChangeAspect="1"/>
+          </p:cNvGraphicFramePr>
+          <p:nvPr>
+            <p:extLst>
+              <p:ext uri="{D42A27DB-BD31-4B8C-83A1-F6EECF244321}">
+                <p14:modId xmlns:p14="http://schemas.microsoft.com/office/powerpoint/2010/main" val="3032707290"/>
+              </p:ext>
+            </p:extLst>
+          </p:nvPr>
+        </p:nvGraphicFramePr>
+        <p:xfrm>
+          <a:off x="971214" y="1429048"/>
+          <a:ext cx="4397841" cy="896030"/>
+        </p:xfrm>
+        <a:graphic>
+          <a:graphicData uri="http://schemas.openxmlformats.org/presentationml/2006/ole">
+            <mc:AlternateContent xmlns:mc="http://schemas.openxmlformats.org/markup-compatibility/2006">
+              <mc:Choice xmlns:v="urn:schemas-microsoft-com:vml" Requires="v">
+                <p:oleObj name="AxMath" r:id="rId4" imgW="1981440" imgH="403560" progId="Equation.AxMath">
+                  <p:embed/>
+                </p:oleObj>
+              </mc:Choice>
+              <mc:Fallback>
+                <p:oleObj name="AxMath" r:id="rId4" imgW="1981440" imgH="403560" progId="Equation.AxMath">
+                  <p:embed/>
+                  <p:pic>
+                    <p:nvPicPr>
+                      <p:cNvPr id="7" name="对象 6">
+                        <a:extLst>
+                          <a:ext uri="{FF2B5EF4-FFF2-40B4-BE49-F238E27FC236}">
+                            <a16:creationId xmlns:a16="http://schemas.microsoft.com/office/drawing/2014/main" id="{4403E0B9-671C-F331-6B1D-576556C915F0}"/>
+                          </a:ext>
+                        </a:extLst>
+                      </p:cNvPr>
+                      <p:cNvPicPr/>
+                      <p:nvPr/>
+                    </p:nvPicPr>
+                    <p:blipFill>
+                      <a:blip r:embed="rId5"/>
+                      <a:stretch>
+                        <a:fillRect/>
+                      </a:stretch>
+                    </p:blipFill>
+                    <p:spPr>
+                      <a:xfrm>
+                        <a:off x="971214" y="1429048"/>
+                        <a:ext cx="4397841" cy="896030"/>
+                      </a:xfrm>
+                      <a:prstGeom prst="rect">
+                        <a:avLst/>
+                      </a:prstGeom>
+                    </p:spPr>
+                  </p:pic>
+                </p:oleObj>
+              </mc:Fallback>
+            </mc:AlternateContent>
+          </a:graphicData>
+        </a:graphic>
+      </p:graphicFrame>
+      <p:graphicFrame>
+        <p:nvGraphicFramePr>
+          <p:cNvPr id="2" name="对象 1">
+            <a:extLst>
+              <a:ext uri="{FF2B5EF4-FFF2-40B4-BE49-F238E27FC236}">
+                <a16:creationId xmlns:a16="http://schemas.microsoft.com/office/drawing/2014/main" id="{60B224B8-1BE6-0149-AD10-E0AD4043FFAB}"/>
+              </a:ext>
+            </a:extLst>
+          </p:cNvPr>
+          <p:cNvGraphicFramePr>
+            <a:graphicFrameLocks noChangeAspect="1"/>
+          </p:cNvGraphicFramePr>
+          <p:nvPr>
+            <p:extLst>
+              <p:ext uri="{D42A27DB-BD31-4B8C-83A1-F6EECF244321}">
+                <p14:modId xmlns:p14="http://schemas.microsoft.com/office/powerpoint/2010/main" val="3439664050"/>
+              </p:ext>
+            </p:extLst>
+          </p:nvPr>
+        </p:nvGraphicFramePr>
+        <p:xfrm>
+          <a:off x="914401" y="4445536"/>
+          <a:ext cx="4620125" cy="1055132"/>
+        </p:xfrm>
+        <a:graphic>
+          <a:graphicData uri="http://schemas.openxmlformats.org/presentationml/2006/ole">
+            <mc:AlternateContent xmlns:mc="http://schemas.openxmlformats.org/markup-compatibility/2006">
+              <mc:Choice xmlns:v="urn:schemas-microsoft-com:vml" Requires="v">
+                <p:oleObj name="AxMath" r:id="rId6" imgW="2359440" imgH="538920" progId="Equation.AxMath">
+                  <p:embed/>
+                </p:oleObj>
+              </mc:Choice>
+              <mc:Fallback>
+                <p:oleObj name="AxMath" r:id="rId6" imgW="2359440" imgH="538920" progId="Equation.AxMath">
+                  <p:embed/>
+                  <p:pic>
+                    <p:nvPicPr>
+                      <p:cNvPr id="0" name=""/>
+                      <p:cNvPicPr/>
+                      <p:nvPr/>
+                    </p:nvPicPr>
+                    <p:blipFill>
+                      <a:blip r:embed="rId7"/>
+                      <a:stretch>
+                        <a:fillRect/>
+                      </a:stretch>
+                    </p:blipFill>
+                    <p:spPr>
+                      <a:xfrm>
+                        <a:off x="914401" y="4445536"/>
+                        <a:ext cx="4620125" cy="1055132"/>
+                      </a:xfrm>
+                      <a:prstGeom prst="rect">
+                        <a:avLst/>
+                      </a:prstGeom>
+                    </p:spPr>
+                  </p:pic>
+                </p:oleObj>
+              </mc:Fallback>
+            </mc:AlternateContent>
+          </a:graphicData>
+        </a:graphic>
+      </p:graphicFrame>
+    </p:spTree>
+    <p:extLst>
+      <p:ext uri="{BB962C8B-B14F-4D97-AF65-F5344CB8AC3E}">
+        <p14:creationId xmlns:p14="http://schemas.microsoft.com/office/powerpoint/2010/main" val="4221489361"/>
+      </p:ext>
+    </p:extLst>
+  </p:cSld>
+  <p:clrMapOvr>
+    <a:masterClrMapping/>
+  </p:clrMapOvr>
+</p:sld>
+</file>
+
+<file path=ppt/slides/slide2.xml><?xml version="1.0" encoding="utf-8"?>
+<p:sld xmlns:a="http://schemas.openxmlformats.org/drawingml/2006/main" xmlns:r="http://schemas.openxmlformats.org/officeDocument/2006/relationships" xmlns:p="http://schemas.openxmlformats.org/presentationml/2006/main">
+  <p:cSld>
+    <p:spTree>
+      <p:nvGrpSpPr>
         <p:cNvPr id="1" name=""/>
         <p:cNvGrpSpPr/>
         <p:nvPr/>
@@ -3323,58 +3609,1556 @@
       </p:grpSpPr>
       <p:sp>
         <p:nvSpPr>
-          <p:cNvPr id="2" name="标题 1">
-            <a:extLst>
-              <a:ext uri="{FF2B5EF4-FFF2-40B4-BE49-F238E27FC236}">
-                <a16:creationId xmlns:a16="http://schemas.microsoft.com/office/drawing/2014/main" id="{58FA538E-409A-F020-CFF6-00DAA544EB19}"/>
-              </a:ext>
-            </a:extLst>
-          </p:cNvPr>
-          <p:cNvSpPr>
-            <a:spLocks noGrp="1"/>
-          </p:cNvSpPr>
-          <p:nvPr>
-            <p:ph type="ctrTitle"/>
-          </p:nvPr>
-        </p:nvSpPr>
-        <p:spPr/>
-        <p:txBody>
-          <a:bodyPr/>
-          <a:lstStyle/>
-          <a:p>
+          <p:cNvPr id="4" name="文本框 3">
+            <a:extLst>
+              <a:ext uri="{FF2B5EF4-FFF2-40B4-BE49-F238E27FC236}">
+                <a16:creationId xmlns:a16="http://schemas.microsoft.com/office/drawing/2014/main" id="{85335FBB-4C32-E4B1-C4E2-6995D6AE30C8}"/>
+              </a:ext>
+            </a:extLst>
+          </p:cNvPr>
+          <p:cNvSpPr txBox="1"/>
+          <p:nvPr/>
+        </p:nvSpPr>
+        <p:spPr>
+          <a:xfrm>
+            <a:off x="468087" y="413657"/>
+            <a:ext cx="6117770" cy="461665"/>
+          </a:xfrm>
+          <a:prstGeom prst="rect">
+            <a:avLst/>
+          </a:prstGeom>
+          <a:noFill/>
+        </p:spPr>
+        <p:txBody>
+          <a:bodyPr wrap="square" rtlCol="0">
+            <a:spAutoFit/>
+          </a:bodyPr>
+          <a:lstStyle/>
+          <a:p>
+            <a:r>
+              <a:rPr lang="en-US" altLang="zh-CN" sz="2400" dirty="0">
+                <a:latin typeface="Times New Roman" panose="02020603050405020304" pitchFamily="18" charset="0"/>
+                <a:cs typeface="Times New Roman" panose="02020603050405020304" pitchFamily="18" charset="0"/>
+              </a:rPr>
+              <a:t>Policy Gradient by Monte Carlo (REINFORCE)</a:t>
+            </a:r>
+          </a:p>
+        </p:txBody>
+      </p:sp>
+      <p:pic>
+        <p:nvPicPr>
+          <p:cNvPr id="11" name="图片 10">
+            <a:extLst>
+              <a:ext uri="{FF2B5EF4-FFF2-40B4-BE49-F238E27FC236}">
+                <a16:creationId xmlns:a16="http://schemas.microsoft.com/office/drawing/2014/main" id="{70E78EDA-5B6A-7826-70B5-EE8FAF998EE3}"/>
+              </a:ext>
+            </a:extLst>
+          </p:cNvPr>
+          <p:cNvPicPr>
+            <a:picLocks noChangeAspect="1"/>
+          </p:cNvPicPr>
+          <p:nvPr/>
+        </p:nvPicPr>
+        <p:blipFill>
+          <a:blip r:embed="rId2"/>
+          <a:stretch>
+            <a:fillRect/>
+          </a:stretch>
+        </p:blipFill>
+        <p:spPr>
+          <a:xfrm>
+            <a:off x="468087" y="2212405"/>
+            <a:ext cx="11012110" cy="3633223"/>
+          </a:xfrm>
+          <a:prstGeom prst="rect">
+            <a:avLst/>
+          </a:prstGeom>
+        </p:spPr>
+      </p:pic>
+      <p:graphicFrame>
+        <p:nvGraphicFramePr>
+          <p:cNvPr id="12" name="对象 11">
+            <a:extLst>
+              <a:ext uri="{FF2B5EF4-FFF2-40B4-BE49-F238E27FC236}">
+                <a16:creationId xmlns:a16="http://schemas.microsoft.com/office/drawing/2014/main" id="{6FAA92F1-4236-966E-3075-C8C8144767F7}"/>
+              </a:ext>
+            </a:extLst>
+          </p:cNvPr>
+          <p:cNvGraphicFramePr>
+            <a:graphicFrameLocks noChangeAspect="1"/>
+          </p:cNvGraphicFramePr>
+          <p:nvPr>
+            <p:extLst>
+              <p:ext uri="{D42A27DB-BD31-4B8C-83A1-F6EECF244321}">
+                <p14:modId xmlns:p14="http://schemas.microsoft.com/office/powerpoint/2010/main" val="4054913101"/>
+              </p:ext>
+            </p:extLst>
+          </p:nvPr>
+        </p:nvGraphicFramePr>
+        <p:xfrm>
+          <a:off x="468087" y="1308239"/>
+          <a:ext cx="4619625" cy="498475"/>
+        </p:xfrm>
+        <a:graphic>
+          <a:graphicData uri="http://schemas.openxmlformats.org/presentationml/2006/ole">
+            <mc:AlternateContent xmlns:mc="http://schemas.openxmlformats.org/markup-compatibility/2006">
+              <mc:Choice xmlns:v="urn:schemas-microsoft-com:vml" Requires="v">
+                <p:oleObj name="AxMath" r:id="rId3" imgW="2359440" imgH="254160" progId="Equation.AxMath">
+                  <p:embed/>
+                </p:oleObj>
+              </mc:Choice>
+              <mc:Fallback>
+                <p:oleObj name="AxMath" r:id="rId3" imgW="2359440" imgH="254160" progId="Equation.AxMath">
+                  <p:embed/>
+                  <p:pic>
+                    <p:nvPicPr>
+                      <p:cNvPr id="2" name="对象 1">
+                        <a:extLst>
+                          <a:ext uri="{FF2B5EF4-FFF2-40B4-BE49-F238E27FC236}">
+                            <a16:creationId xmlns:a16="http://schemas.microsoft.com/office/drawing/2014/main" id="{60B224B8-1BE6-0149-AD10-E0AD4043FFAB}"/>
+                          </a:ext>
+                        </a:extLst>
+                      </p:cNvPr>
+                      <p:cNvPicPr/>
+                      <p:nvPr/>
+                    </p:nvPicPr>
+                    <p:blipFill>
+                      <a:blip r:embed="rId4"/>
+                      <a:stretch>
+                        <a:fillRect/>
+                      </a:stretch>
+                    </p:blipFill>
+                    <p:spPr>
+                      <a:xfrm>
+                        <a:off x="468087" y="1308239"/>
+                        <a:ext cx="4619625" cy="498475"/>
+                      </a:xfrm>
+                      <a:prstGeom prst="rect">
+                        <a:avLst/>
+                      </a:prstGeom>
+                    </p:spPr>
+                  </p:pic>
+                </p:oleObj>
+              </mc:Fallback>
+            </mc:AlternateContent>
+          </a:graphicData>
+        </a:graphic>
+      </p:graphicFrame>
+      <p:sp>
+        <p:nvSpPr>
+          <p:cNvPr id="14" name="文本框 13">
+            <a:extLst>
+              <a:ext uri="{FF2B5EF4-FFF2-40B4-BE49-F238E27FC236}">
+                <a16:creationId xmlns:a16="http://schemas.microsoft.com/office/drawing/2014/main" id="{36BC64D4-B881-207F-C21E-186AEEBB91AC}"/>
+              </a:ext>
+            </a:extLst>
+          </p:cNvPr>
+          <p:cNvSpPr txBox="1"/>
+          <p:nvPr/>
+        </p:nvSpPr>
+        <p:spPr>
+          <a:xfrm>
+            <a:off x="5401778" y="1006742"/>
+            <a:ext cx="1388444" cy="461665"/>
+          </a:xfrm>
+          <a:prstGeom prst="rect">
+            <a:avLst/>
+          </a:prstGeom>
+          <a:noFill/>
+        </p:spPr>
+        <p:txBody>
+          <a:bodyPr wrap="square">
+            <a:spAutoFit/>
+          </a:bodyPr>
+          <a:lstStyle/>
+          <a:p>
+            <a:r>
+              <a:rPr lang="zh-CN" altLang="en-US" sz="2400" dirty="0">
+                <a:latin typeface="Times New Roman" panose="02020603050405020304" pitchFamily="18" charset="0"/>
+                <a:cs typeface="Times New Roman" panose="02020603050405020304" pitchFamily="18" charset="0"/>
+              </a:rPr>
+              <a:t>sampling</a:t>
+            </a:r>
+          </a:p>
+        </p:txBody>
+      </p:sp>
+      <p:sp>
+        <p:nvSpPr>
+          <p:cNvPr id="15" name="箭头: 右 14">
+            <a:extLst>
+              <a:ext uri="{FF2B5EF4-FFF2-40B4-BE49-F238E27FC236}">
+                <a16:creationId xmlns:a16="http://schemas.microsoft.com/office/drawing/2014/main" id="{69608A57-2C6D-3494-F34E-81C452084391}"/>
+              </a:ext>
+            </a:extLst>
+          </p:cNvPr>
+          <p:cNvSpPr/>
+          <p:nvPr/>
+        </p:nvSpPr>
+        <p:spPr>
+          <a:xfrm>
+            <a:off x="5087938" y="1468407"/>
+            <a:ext cx="2016126" cy="131420"/>
+          </a:xfrm>
+          <a:prstGeom prst="rightArrow">
+            <a:avLst/>
+          </a:prstGeom>
+          <a:noFill/>
+          <a:ln>
+            <a:solidFill>
+              <a:schemeClr val="tx1"/>
+            </a:solidFill>
+          </a:ln>
+        </p:spPr>
+        <p:style>
+          <a:lnRef idx="2">
+            <a:schemeClr val="accent1">
+              <a:shade val="15000"/>
+            </a:schemeClr>
+          </a:lnRef>
+          <a:fillRef idx="1">
+            <a:schemeClr val="accent1"/>
+          </a:fillRef>
+          <a:effectRef idx="0">
+            <a:schemeClr val="accent1"/>
+          </a:effectRef>
+          <a:fontRef idx="minor">
+            <a:schemeClr val="lt1"/>
+          </a:fontRef>
+        </p:style>
+        <p:txBody>
+          <a:bodyPr rtlCol="0" anchor="ctr"/>
+          <a:lstStyle/>
+          <a:p>
+            <a:pPr algn="ctr"/>
             <a:endParaRPr lang="zh-CN" altLang="en-US"/>
           </a:p>
         </p:txBody>
       </p:sp>
-      <p:sp>
-        <p:nvSpPr>
-          <p:cNvPr id="3" name="副标题 2">
-            <a:extLst>
-              <a:ext uri="{FF2B5EF4-FFF2-40B4-BE49-F238E27FC236}">
-                <a16:creationId xmlns:a16="http://schemas.microsoft.com/office/drawing/2014/main" id="{3878E730-612C-2B1A-67D5-B352B6F6156F}"/>
-              </a:ext>
-            </a:extLst>
-          </p:cNvPr>
-          <p:cNvSpPr>
-            <a:spLocks noGrp="1"/>
-          </p:cNvSpPr>
-          <p:nvPr>
-            <p:ph type="subTitle" idx="1"/>
-          </p:nvPr>
-        </p:nvSpPr>
-        <p:spPr/>
-        <p:txBody>
-          <a:bodyPr/>
-          <a:lstStyle/>
-          <a:p>
-            <a:endParaRPr lang="zh-CN" altLang="en-US"/>
-          </a:p>
-        </p:txBody>
-      </p:sp>
+      <p:graphicFrame>
+        <p:nvGraphicFramePr>
+          <p:cNvPr id="16" name="对象 15">
+            <a:extLst>
+              <a:ext uri="{FF2B5EF4-FFF2-40B4-BE49-F238E27FC236}">
+                <a16:creationId xmlns:a16="http://schemas.microsoft.com/office/drawing/2014/main" id="{7EA5BC13-58AA-9A20-4A03-8AEB426F21F4}"/>
+              </a:ext>
+            </a:extLst>
+          </p:cNvPr>
+          <p:cNvGraphicFramePr>
+            <a:graphicFrameLocks noChangeAspect="1"/>
+          </p:cNvGraphicFramePr>
+          <p:nvPr>
+            <p:extLst>
+              <p:ext uri="{D42A27DB-BD31-4B8C-83A1-F6EECF244321}">
+                <p14:modId xmlns:p14="http://schemas.microsoft.com/office/powerpoint/2010/main" val="4028857611"/>
+              </p:ext>
+            </p:extLst>
+          </p:nvPr>
+        </p:nvGraphicFramePr>
+        <p:xfrm>
+          <a:off x="7417904" y="1297413"/>
+          <a:ext cx="4140200" cy="485775"/>
+        </p:xfrm>
+        <a:graphic>
+          <a:graphicData uri="http://schemas.openxmlformats.org/presentationml/2006/ole">
+            <mc:AlternateContent xmlns:mc="http://schemas.openxmlformats.org/markup-compatibility/2006">
+              <mc:Choice xmlns:v="urn:schemas-microsoft-com:vml" Requires="v">
+                <p:oleObj name="AxMath" r:id="rId5" imgW="2114640" imgH="246960" progId="Equation.AxMath">
+                  <p:embed/>
+                </p:oleObj>
+              </mc:Choice>
+              <mc:Fallback>
+                <p:oleObj name="AxMath" r:id="rId5" imgW="2114640" imgH="246960" progId="Equation.AxMath">
+                  <p:embed/>
+                  <p:pic>
+                    <p:nvPicPr>
+                      <p:cNvPr id="12" name="对象 11">
+                        <a:extLst>
+                          <a:ext uri="{FF2B5EF4-FFF2-40B4-BE49-F238E27FC236}">
+                            <a16:creationId xmlns:a16="http://schemas.microsoft.com/office/drawing/2014/main" id="{6FAA92F1-4236-966E-3075-C8C8144767F7}"/>
+                          </a:ext>
+                        </a:extLst>
+                      </p:cNvPr>
+                      <p:cNvPicPr/>
+                      <p:nvPr/>
+                    </p:nvPicPr>
+                    <p:blipFill>
+                      <a:blip r:embed="rId6"/>
+                      <a:stretch>
+                        <a:fillRect/>
+                      </a:stretch>
+                    </p:blipFill>
+                    <p:spPr>
+                      <a:xfrm>
+                        <a:off x="7417904" y="1297413"/>
+                        <a:ext cx="4140200" cy="485775"/>
+                      </a:xfrm>
+                      <a:prstGeom prst="rect">
+                        <a:avLst/>
+                      </a:prstGeom>
+                    </p:spPr>
+                  </p:pic>
+                </p:oleObj>
+              </mc:Fallback>
+            </mc:AlternateContent>
+          </a:graphicData>
+        </a:graphic>
+      </p:graphicFrame>
     </p:spTree>
     <p:extLst>
       <p:ext uri="{BB962C8B-B14F-4D97-AF65-F5344CB8AC3E}">
         <p14:creationId xmlns:p14="http://schemas.microsoft.com/office/powerpoint/2010/main" val="572388234"/>
+      </p:ext>
+    </p:extLst>
+  </p:cSld>
+  <p:clrMapOvr>
+    <a:masterClrMapping/>
+  </p:clrMapOvr>
+</p:sld>
+</file>
+
+<file path=ppt/slides/slide3.xml><?xml version="1.0" encoding="utf-8"?>
+<p:sld xmlns:a="http://schemas.openxmlformats.org/drawingml/2006/main" xmlns:r="http://schemas.openxmlformats.org/officeDocument/2006/relationships" xmlns:p="http://schemas.openxmlformats.org/presentationml/2006/main">
+  <p:cSld>
+    <p:spTree>
+      <p:nvGrpSpPr>
+        <p:cNvPr id="1" name="">
+          <a:extLst>
+            <a:ext uri="{FF2B5EF4-FFF2-40B4-BE49-F238E27FC236}">
+              <a16:creationId xmlns:a16="http://schemas.microsoft.com/office/drawing/2014/main" id="{D58B4A84-5995-FCB7-7EDF-BA6D0E1A5D1E}"/>
+            </a:ext>
+          </a:extLst>
+        </p:cNvPr>
+        <p:cNvGrpSpPr/>
+        <p:nvPr/>
+      </p:nvGrpSpPr>
+      <p:grpSpPr>
+        <a:xfrm>
+          <a:off x="0" y="0"/>
+          <a:ext cx="0" cy="0"/>
+          <a:chOff x="0" y="0"/>
+          <a:chExt cx="0" cy="0"/>
+        </a:xfrm>
+      </p:grpSpPr>
+      <p:sp>
+        <p:nvSpPr>
+          <p:cNvPr id="4" name="文本框 3">
+            <a:extLst>
+              <a:ext uri="{FF2B5EF4-FFF2-40B4-BE49-F238E27FC236}">
+                <a16:creationId xmlns:a16="http://schemas.microsoft.com/office/drawing/2014/main" id="{84F40A1D-AC61-CF47-D3D4-83E7E655DB35}"/>
+              </a:ext>
+            </a:extLst>
+          </p:cNvPr>
+          <p:cNvSpPr txBox="1"/>
+          <p:nvPr/>
+        </p:nvSpPr>
+        <p:spPr>
+          <a:xfrm>
+            <a:off x="468087" y="413657"/>
+            <a:ext cx="6117770" cy="461665"/>
+          </a:xfrm>
+          <a:prstGeom prst="rect">
+            <a:avLst/>
+          </a:prstGeom>
+          <a:noFill/>
+        </p:spPr>
+        <p:txBody>
+          <a:bodyPr wrap="square" rtlCol="0">
+            <a:spAutoFit/>
+          </a:bodyPr>
+          <a:lstStyle/>
+          <a:p>
+            <a:r>
+              <a:rPr lang="en-US" altLang="zh-CN" sz="2400" dirty="0">
+                <a:latin typeface="Times New Roman" panose="02020603050405020304" pitchFamily="18" charset="0"/>
+                <a:cs typeface="Times New Roman" panose="02020603050405020304" pitchFamily="18" charset="0"/>
+              </a:rPr>
+              <a:t>The simplest actor-critic algorithm (QAC)</a:t>
+            </a:r>
+          </a:p>
+        </p:txBody>
+      </p:sp>
+      <p:pic>
+        <p:nvPicPr>
+          <p:cNvPr id="3" name="图片 2">
+            <a:extLst>
+              <a:ext uri="{FF2B5EF4-FFF2-40B4-BE49-F238E27FC236}">
+                <a16:creationId xmlns:a16="http://schemas.microsoft.com/office/drawing/2014/main" id="{AEEF3EA3-1181-4BC3-18C9-36A02AB14DBB}"/>
+              </a:ext>
+            </a:extLst>
+          </p:cNvPr>
+          <p:cNvPicPr>
+            <a:picLocks noChangeAspect="1"/>
+          </p:cNvPicPr>
+          <p:nvPr/>
+        </p:nvPicPr>
+        <p:blipFill>
+          <a:blip r:embed="rId2"/>
+          <a:stretch>
+            <a:fillRect/>
+          </a:stretch>
+        </p:blipFill>
+        <p:spPr>
+          <a:xfrm>
+            <a:off x="468087" y="1305263"/>
+            <a:ext cx="9808143" cy="4247473"/>
+          </a:xfrm>
+          <a:prstGeom prst="rect">
+            <a:avLst/>
+          </a:prstGeom>
+        </p:spPr>
+      </p:pic>
+      <p:sp>
+        <p:nvSpPr>
+          <p:cNvPr id="5" name="文本框 4">
+            <a:extLst>
+              <a:ext uri="{FF2B5EF4-FFF2-40B4-BE49-F238E27FC236}">
+                <a16:creationId xmlns:a16="http://schemas.microsoft.com/office/drawing/2014/main" id="{0FE97823-74E8-9C6E-08D1-5E99DB2F0F95}"/>
+              </a:ext>
+            </a:extLst>
+          </p:cNvPr>
+          <p:cNvSpPr txBox="1"/>
+          <p:nvPr/>
+        </p:nvSpPr>
+        <p:spPr>
+          <a:xfrm>
+            <a:off x="5250238" y="5481470"/>
+            <a:ext cx="845762" cy="461665"/>
+          </a:xfrm>
+          <a:prstGeom prst="rect">
+            <a:avLst/>
+          </a:prstGeom>
+          <a:noFill/>
+        </p:spPr>
+        <p:txBody>
+          <a:bodyPr wrap="square">
+            <a:spAutoFit/>
+          </a:bodyPr>
+          <a:lstStyle/>
+          <a:p>
+            <a:r>
+              <a:rPr lang="en-US" altLang="zh-CN" sz="2400" dirty="0">
+                <a:solidFill>
+                  <a:srgbClr val="FF0000"/>
+                </a:solidFill>
+                <a:latin typeface="Times New Roman" panose="02020603050405020304" pitchFamily="18" charset="0"/>
+                <a:cs typeface="Times New Roman" panose="02020603050405020304" pitchFamily="18" charset="0"/>
+              </a:rPr>
+              <a:t>TD</a:t>
+            </a:r>
+            <a:endParaRPr lang="zh-CN" altLang="en-US" sz="2400" dirty="0">
+              <a:solidFill>
+                <a:srgbClr val="FF0000"/>
+              </a:solidFill>
+              <a:latin typeface="Times New Roman" panose="02020603050405020304" pitchFamily="18" charset="0"/>
+              <a:cs typeface="Times New Roman" panose="02020603050405020304" pitchFamily="18" charset="0"/>
+            </a:endParaRPr>
+          </a:p>
+        </p:txBody>
+      </p:sp>
+    </p:spTree>
+    <p:extLst>
+      <p:ext uri="{BB962C8B-B14F-4D97-AF65-F5344CB8AC3E}">
+        <p14:creationId xmlns:p14="http://schemas.microsoft.com/office/powerpoint/2010/main" val="1509164146"/>
+      </p:ext>
+    </p:extLst>
+  </p:cSld>
+  <p:clrMapOvr>
+    <a:masterClrMapping/>
+  </p:clrMapOvr>
+</p:sld>
+</file>
+
+<file path=ppt/slides/slide4.xml><?xml version="1.0" encoding="utf-8"?>
+<p:sld xmlns:a="http://schemas.openxmlformats.org/drawingml/2006/main" xmlns:r="http://schemas.openxmlformats.org/officeDocument/2006/relationships" xmlns:p="http://schemas.openxmlformats.org/presentationml/2006/main">
+  <p:cSld>
+    <p:spTree>
+      <p:nvGrpSpPr>
+        <p:cNvPr id="1" name="">
+          <a:extLst>
+            <a:ext uri="{FF2B5EF4-FFF2-40B4-BE49-F238E27FC236}">
+              <a16:creationId xmlns:a16="http://schemas.microsoft.com/office/drawing/2014/main" id="{83009110-202F-F132-0830-B8D2A46B5C8B}"/>
+            </a:ext>
+          </a:extLst>
+        </p:cNvPr>
+        <p:cNvGrpSpPr/>
+        <p:nvPr/>
+      </p:nvGrpSpPr>
+      <p:grpSpPr>
+        <a:xfrm>
+          <a:off x="0" y="0"/>
+          <a:ext cx="0" cy="0"/>
+          <a:chOff x="0" y="0"/>
+          <a:chExt cx="0" cy="0"/>
+        </a:xfrm>
+      </p:grpSpPr>
+      <p:graphicFrame>
+        <p:nvGraphicFramePr>
+          <p:cNvPr id="5" name="对象 4">
+            <a:extLst>
+              <a:ext uri="{FF2B5EF4-FFF2-40B4-BE49-F238E27FC236}">
+                <a16:creationId xmlns:a16="http://schemas.microsoft.com/office/drawing/2014/main" id="{E12B3475-1955-819E-FA16-1886D3CAF367}"/>
+              </a:ext>
+            </a:extLst>
+          </p:cNvPr>
+          <p:cNvGraphicFramePr>
+            <a:graphicFrameLocks noChangeAspect="1"/>
+          </p:cNvGraphicFramePr>
+          <p:nvPr>
+            <p:extLst>
+              <p:ext uri="{D42A27DB-BD31-4B8C-83A1-F6EECF244321}">
+                <p14:modId xmlns:p14="http://schemas.microsoft.com/office/powerpoint/2010/main" val="2104457316"/>
+              </p:ext>
+            </p:extLst>
+          </p:nvPr>
+        </p:nvGraphicFramePr>
+        <p:xfrm>
+          <a:off x="971550" y="3435350"/>
+          <a:ext cx="5296810" cy="2093687"/>
+        </p:xfrm>
+        <a:graphic>
+          <a:graphicData uri="http://schemas.openxmlformats.org/presentationml/2006/ole">
+            <mc:AlternateContent xmlns:mc="http://schemas.openxmlformats.org/markup-compatibility/2006">
+              <mc:Choice xmlns:v="urn:schemas-microsoft-com:vml" Requires="v">
+                <p:oleObj name="AxMath" r:id="rId2" imgW="3153600" imgH="1245600" progId="Equation.AxMath">
+                  <p:embed/>
+                </p:oleObj>
+              </mc:Choice>
+              <mc:Fallback>
+                <p:oleObj name="AxMath" r:id="rId2" imgW="3153600" imgH="1245600" progId="Equation.AxMath">
+                  <p:embed/>
+                  <p:pic>
+                    <p:nvPicPr>
+                      <p:cNvPr id="5" name="对象 4">
+                        <a:extLst>
+                          <a:ext uri="{FF2B5EF4-FFF2-40B4-BE49-F238E27FC236}">
+                            <a16:creationId xmlns:a16="http://schemas.microsoft.com/office/drawing/2014/main" id="{00235AA2-6EDA-700A-D5EB-C91F3BAE354F}"/>
+                          </a:ext>
+                        </a:extLst>
+                      </p:cNvPr>
+                      <p:cNvPicPr/>
+                      <p:nvPr/>
+                    </p:nvPicPr>
+                    <p:blipFill>
+                      <a:blip r:embed="rId3"/>
+                      <a:stretch>
+                        <a:fillRect/>
+                      </a:stretch>
+                    </p:blipFill>
+                    <p:spPr>
+                      <a:xfrm>
+                        <a:off x="971550" y="3435350"/>
+                        <a:ext cx="5296810" cy="2093687"/>
+                      </a:xfrm>
+                      <a:prstGeom prst="rect">
+                        <a:avLst/>
+                      </a:prstGeom>
+                    </p:spPr>
+                  </p:pic>
+                </p:oleObj>
+              </mc:Fallback>
+            </mc:AlternateContent>
+          </a:graphicData>
+        </a:graphic>
+      </p:graphicFrame>
+      <p:graphicFrame>
+        <p:nvGraphicFramePr>
+          <p:cNvPr id="7" name="对象 6">
+            <a:extLst>
+              <a:ext uri="{FF2B5EF4-FFF2-40B4-BE49-F238E27FC236}">
+                <a16:creationId xmlns:a16="http://schemas.microsoft.com/office/drawing/2014/main" id="{6E8959DD-5D85-DF31-5550-02BF9AF2788D}"/>
+              </a:ext>
+            </a:extLst>
+          </p:cNvPr>
+          <p:cNvGraphicFramePr>
+            <a:graphicFrameLocks noChangeAspect="1"/>
+          </p:cNvGraphicFramePr>
+          <p:nvPr/>
+        </p:nvGraphicFramePr>
+        <p:xfrm>
+          <a:off x="971214" y="1146133"/>
+          <a:ext cx="4327745" cy="2093686"/>
+        </p:xfrm>
+        <a:graphic>
+          <a:graphicData uri="http://schemas.openxmlformats.org/presentationml/2006/ole">
+            <mc:AlternateContent xmlns:mc="http://schemas.openxmlformats.org/markup-compatibility/2006">
+              <mc:Choice xmlns:v="urn:schemas-microsoft-com:vml" Requires="v">
+                <p:oleObj name="AxMath" r:id="rId4" imgW="2888280" imgH="1397520" progId="Equation.AxMath">
+                  <p:embed/>
+                </p:oleObj>
+              </mc:Choice>
+              <mc:Fallback>
+                <p:oleObj name="AxMath" r:id="rId4" imgW="2888280" imgH="1397520" progId="Equation.AxMath">
+                  <p:embed/>
+                  <p:pic>
+                    <p:nvPicPr>
+                      <p:cNvPr id="7" name="对象 6">
+                        <a:extLst>
+                          <a:ext uri="{FF2B5EF4-FFF2-40B4-BE49-F238E27FC236}">
+                            <a16:creationId xmlns:a16="http://schemas.microsoft.com/office/drawing/2014/main" id="{45C80A38-CB17-C0C2-CF83-D2E995E671DE}"/>
+                          </a:ext>
+                        </a:extLst>
+                      </p:cNvPr>
+                      <p:cNvPicPr/>
+                      <p:nvPr/>
+                    </p:nvPicPr>
+                    <p:blipFill>
+                      <a:blip r:embed="rId5"/>
+                      <a:stretch>
+                        <a:fillRect/>
+                      </a:stretch>
+                    </p:blipFill>
+                    <p:spPr>
+                      <a:xfrm>
+                        <a:off x="971214" y="1146133"/>
+                        <a:ext cx="4327745" cy="2093686"/>
+                      </a:xfrm>
+                      <a:prstGeom prst="rect">
+                        <a:avLst/>
+                      </a:prstGeom>
+                    </p:spPr>
+                  </p:pic>
+                </p:oleObj>
+              </mc:Fallback>
+            </mc:AlternateContent>
+          </a:graphicData>
+        </a:graphic>
+      </p:graphicFrame>
+      <p:sp>
+        <p:nvSpPr>
+          <p:cNvPr id="8" name="文本框 7">
+            <a:extLst>
+              <a:ext uri="{FF2B5EF4-FFF2-40B4-BE49-F238E27FC236}">
+                <a16:creationId xmlns:a16="http://schemas.microsoft.com/office/drawing/2014/main" id="{D723608B-43D3-3A6D-8F35-E7B33CB835BC}"/>
+              </a:ext>
+            </a:extLst>
+          </p:cNvPr>
+          <p:cNvSpPr txBox="1"/>
+          <p:nvPr/>
+        </p:nvSpPr>
+        <p:spPr>
+          <a:xfrm>
+            <a:off x="971214" y="359045"/>
+            <a:ext cx="2950027" cy="461665"/>
+          </a:xfrm>
+          <a:prstGeom prst="rect">
+            <a:avLst/>
+          </a:prstGeom>
+          <a:noFill/>
+        </p:spPr>
+        <p:txBody>
+          <a:bodyPr wrap="square" rtlCol="0">
+            <a:spAutoFit/>
+          </a:bodyPr>
+          <a:lstStyle/>
+          <a:p>
+            <a:r>
+              <a:rPr lang="en-US" altLang="zh-CN" sz="2400" dirty="0">
+                <a:latin typeface="Times New Roman" panose="02020603050405020304" pitchFamily="18" charset="0"/>
+                <a:cs typeface="Times New Roman" panose="02020603050405020304" pitchFamily="18" charset="0"/>
+              </a:rPr>
+              <a:t>Importance Sampling</a:t>
+            </a:r>
+          </a:p>
+        </p:txBody>
+      </p:sp>
+    </p:spTree>
+    <p:extLst>
+      <p:ext uri="{BB962C8B-B14F-4D97-AF65-F5344CB8AC3E}">
+        <p14:creationId xmlns:p14="http://schemas.microsoft.com/office/powerpoint/2010/main" val="3546003361"/>
+      </p:ext>
+    </p:extLst>
+  </p:cSld>
+  <p:clrMapOvr>
+    <a:masterClrMapping/>
+  </p:clrMapOvr>
+</p:sld>
+</file>
+
+<file path=ppt/slides/slide5.xml><?xml version="1.0" encoding="utf-8"?>
+<p:sld xmlns:a="http://schemas.openxmlformats.org/drawingml/2006/main" xmlns:r="http://schemas.openxmlformats.org/officeDocument/2006/relationships" xmlns:p="http://schemas.openxmlformats.org/presentationml/2006/main">
+  <p:cSld>
+    <p:spTree>
+      <p:nvGrpSpPr>
+        <p:cNvPr id="1" name="">
+          <a:extLst>
+            <a:ext uri="{FF2B5EF4-FFF2-40B4-BE49-F238E27FC236}">
+              <a16:creationId xmlns:a16="http://schemas.microsoft.com/office/drawing/2014/main" id="{CA7BEB36-486E-430B-F8FA-5E0D06518A12}"/>
+            </a:ext>
+          </a:extLst>
+        </p:cNvPr>
+        <p:cNvGrpSpPr/>
+        <p:nvPr/>
+      </p:nvGrpSpPr>
+      <p:grpSpPr>
+        <a:xfrm>
+          <a:off x="0" y="0"/>
+          <a:ext cx="0" cy="0"/>
+          <a:chOff x="0" y="0"/>
+          <a:chExt cx="0" cy="0"/>
+        </a:xfrm>
+      </p:grpSpPr>
+      <p:sp>
+        <p:nvSpPr>
+          <p:cNvPr id="4" name="文本框 3">
+            <a:extLst>
+              <a:ext uri="{FF2B5EF4-FFF2-40B4-BE49-F238E27FC236}">
+                <a16:creationId xmlns:a16="http://schemas.microsoft.com/office/drawing/2014/main" id="{0E3B0C94-49D2-A330-C9FA-F3298EAD0BB7}"/>
+              </a:ext>
+            </a:extLst>
+          </p:cNvPr>
+          <p:cNvSpPr txBox="1"/>
+          <p:nvPr/>
+        </p:nvSpPr>
+        <p:spPr>
+          <a:xfrm>
+            <a:off x="862357" y="495287"/>
+            <a:ext cx="5508170" cy="461665"/>
+          </a:xfrm>
+          <a:prstGeom prst="rect">
+            <a:avLst/>
+          </a:prstGeom>
+          <a:noFill/>
+        </p:spPr>
+        <p:txBody>
+          <a:bodyPr wrap="square" rtlCol="0">
+            <a:spAutoFit/>
+          </a:bodyPr>
+          <a:lstStyle/>
+          <a:p>
+            <a:r>
+              <a:rPr lang="en-US" altLang="zh-CN" sz="2400" dirty="0">
+                <a:latin typeface="Times New Roman" panose="02020603050405020304" pitchFamily="18" charset="0"/>
+                <a:cs typeface="Times New Roman" panose="02020603050405020304" pitchFamily="18" charset="0"/>
+              </a:rPr>
+              <a:t>Trust Region Policy Optimization(TRPO)</a:t>
+            </a:r>
+          </a:p>
+        </p:txBody>
+      </p:sp>
+      <p:graphicFrame>
+        <p:nvGraphicFramePr>
+          <p:cNvPr id="5" name="对象 4">
+            <a:extLst>
+              <a:ext uri="{FF2B5EF4-FFF2-40B4-BE49-F238E27FC236}">
+                <a16:creationId xmlns:a16="http://schemas.microsoft.com/office/drawing/2014/main" id="{D0932B5F-0E9E-CFDA-9147-A71901FDF608}"/>
+              </a:ext>
+            </a:extLst>
+          </p:cNvPr>
+          <p:cNvGraphicFramePr>
+            <a:graphicFrameLocks noChangeAspect="1"/>
+          </p:cNvGraphicFramePr>
+          <p:nvPr>
+            <p:extLst>
+              <p:ext uri="{D42A27DB-BD31-4B8C-83A1-F6EECF244321}">
+                <p14:modId xmlns:p14="http://schemas.microsoft.com/office/powerpoint/2010/main" val="3920204663"/>
+              </p:ext>
+            </p:extLst>
+          </p:nvPr>
+        </p:nvGraphicFramePr>
+        <p:xfrm>
+          <a:off x="945127" y="1229837"/>
+          <a:ext cx="6384925" cy="3411537"/>
+        </p:xfrm>
+        <a:graphic>
+          <a:graphicData uri="http://schemas.openxmlformats.org/presentationml/2006/ole">
+            <mc:AlternateContent xmlns:mc="http://schemas.openxmlformats.org/markup-compatibility/2006">
+              <mc:Choice xmlns:v="urn:schemas-microsoft-com:vml" Requires="v">
+                <p:oleObj name="AxMath" r:id="rId2" imgW="3747960" imgH="2002320" progId="Equation.AxMath">
+                  <p:embed/>
+                </p:oleObj>
+              </mc:Choice>
+              <mc:Fallback>
+                <p:oleObj name="AxMath" r:id="rId2" imgW="3747960" imgH="2002320" progId="Equation.AxMath">
+                  <p:embed/>
+                  <p:pic>
+                    <p:nvPicPr>
+                      <p:cNvPr id="5" name="对象 4">
+                        <a:extLst>
+                          <a:ext uri="{FF2B5EF4-FFF2-40B4-BE49-F238E27FC236}">
+                            <a16:creationId xmlns:a16="http://schemas.microsoft.com/office/drawing/2014/main" id="{1A7EEB54-1BBB-DC68-7E3A-253977726745}"/>
+                          </a:ext>
+                        </a:extLst>
+                      </p:cNvPr>
+                      <p:cNvPicPr/>
+                      <p:nvPr/>
+                    </p:nvPicPr>
+                    <p:blipFill>
+                      <a:blip r:embed="rId3"/>
+                      <a:stretch>
+                        <a:fillRect/>
+                      </a:stretch>
+                    </p:blipFill>
+                    <p:spPr>
+                      <a:xfrm>
+                        <a:off x="945127" y="1229837"/>
+                        <a:ext cx="6384925" cy="3411537"/>
+                      </a:xfrm>
+                      <a:prstGeom prst="rect">
+                        <a:avLst/>
+                      </a:prstGeom>
+                    </p:spPr>
+                  </p:pic>
+                </p:oleObj>
+              </mc:Fallback>
+            </mc:AlternateContent>
+          </a:graphicData>
+        </a:graphic>
+      </p:graphicFrame>
+      <p:graphicFrame>
+        <p:nvGraphicFramePr>
+          <p:cNvPr id="2" name="对象 1">
+            <a:extLst>
+              <a:ext uri="{FF2B5EF4-FFF2-40B4-BE49-F238E27FC236}">
+                <a16:creationId xmlns:a16="http://schemas.microsoft.com/office/drawing/2014/main" id="{05D95E78-6E8E-3A18-F061-1BC507FB3356}"/>
+              </a:ext>
+            </a:extLst>
+          </p:cNvPr>
+          <p:cNvGraphicFramePr>
+            <a:graphicFrameLocks noChangeAspect="1"/>
+          </p:cNvGraphicFramePr>
+          <p:nvPr>
+            <p:extLst>
+              <p:ext uri="{D42A27DB-BD31-4B8C-83A1-F6EECF244321}">
+                <p14:modId xmlns:p14="http://schemas.microsoft.com/office/powerpoint/2010/main" val="2580731036"/>
+              </p:ext>
+            </p:extLst>
+          </p:nvPr>
+        </p:nvGraphicFramePr>
+        <p:xfrm>
+          <a:off x="945128" y="4914259"/>
+          <a:ext cx="5346816" cy="549489"/>
+        </p:xfrm>
+        <a:graphic>
+          <a:graphicData uri="http://schemas.openxmlformats.org/presentationml/2006/ole">
+            <mc:AlternateContent xmlns:mc="http://schemas.openxmlformats.org/markup-compatibility/2006">
+              <mc:Choice xmlns:v="urn:schemas-microsoft-com:vml" Requires="v">
+                <p:oleObj name="AxMath" r:id="rId4" imgW="2579040" imgH="264960" progId="Equation.AxMath">
+                  <p:embed/>
+                </p:oleObj>
+              </mc:Choice>
+              <mc:Fallback>
+                <p:oleObj name="AxMath" r:id="rId4" imgW="2579040" imgH="264960" progId="Equation.AxMath">
+                  <p:embed/>
+                  <p:pic>
+                    <p:nvPicPr>
+                      <p:cNvPr id="0" name=""/>
+                      <p:cNvPicPr/>
+                      <p:nvPr/>
+                    </p:nvPicPr>
+                    <p:blipFill>
+                      <a:blip r:embed="rId5"/>
+                      <a:stretch>
+                        <a:fillRect/>
+                      </a:stretch>
+                    </p:blipFill>
+                    <p:spPr>
+                      <a:xfrm>
+                        <a:off x="945128" y="4914259"/>
+                        <a:ext cx="5346816" cy="549489"/>
+                      </a:xfrm>
+                      <a:prstGeom prst="rect">
+                        <a:avLst/>
+                      </a:prstGeom>
+                    </p:spPr>
+                  </p:pic>
+                </p:oleObj>
+              </mc:Fallback>
+            </mc:AlternateContent>
+          </a:graphicData>
+        </a:graphic>
+      </p:graphicFrame>
+    </p:spTree>
+    <p:extLst>
+      <p:ext uri="{BB962C8B-B14F-4D97-AF65-F5344CB8AC3E}">
+        <p14:creationId xmlns:p14="http://schemas.microsoft.com/office/powerpoint/2010/main" val="747970190"/>
+      </p:ext>
+    </p:extLst>
+  </p:cSld>
+  <p:clrMapOvr>
+    <a:masterClrMapping/>
+  </p:clrMapOvr>
+</p:sld>
+</file>
+
+<file path=ppt/slides/slide6.xml><?xml version="1.0" encoding="utf-8"?>
+<p:sld xmlns:a="http://schemas.openxmlformats.org/drawingml/2006/main" xmlns:r="http://schemas.openxmlformats.org/officeDocument/2006/relationships" xmlns:p="http://schemas.openxmlformats.org/presentationml/2006/main">
+  <p:cSld>
+    <p:spTree>
+      <p:nvGrpSpPr>
+        <p:cNvPr id="1" name="">
+          <a:extLst>
+            <a:ext uri="{FF2B5EF4-FFF2-40B4-BE49-F238E27FC236}">
+              <a16:creationId xmlns:a16="http://schemas.microsoft.com/office/drawing/2014/main" id="{D9102FE8-93C0-DBA4-F25C-5ABD7E81DE1B}"/>
+            </a:ext>
+          </a:extLst>
+        </p:cNvPr>
+        <p:cNvGrpSpPr/>
+        <p:nvPr/>
+      </p:nvGrpSpPr>
+      <p:grpSpPr>
+        <a:xfrm>
+          <a:off x="0" y="0"/>
+          <a:ext cx="0" cy="0"/>
+          <a:chOff x="0" y="0"/>
+          <a:chExt cx="0" cy="0"/>
+        </a:xfrm>
+      </p:grpSpPr>
+      <p:sp>
+        <p:nvSpPr>
+          <p:cNvPr id="4" name="文本框 3">
+            <a:extLst>
+              <a:ext uri="{FF2B5EF4-FFF2-40B4-BE49-F238E27FC236}">
+                <a16:creationId xmlns:a16="http://schemas.microsoft.com/office/drawing/2014/main" id="{BE9974D4-1B78-C3EB-F8A9-623D916641CB}"/>
+              </a:ext>
+            </a:extLst>
+          </p:cNvPr>
+          <p:cNvSpPr txBox="1"/>
+          <p:nvPr/>
+        </p:nvSpPr>
+        <p:spPr>
+          <a:xfrm>
+            <a:off x="862356" y="1852449"/>
+            <a:ext cx="2015597" cy="461665"/>
+          </a:xfrm>
+          <a:prstGeom prst="rect">
+            <a:avLst/>
+          </a:prstGeom>
+          <a:noFill/>
+        </p:spPr>
+        <p:txBody>
+          <a:bodyPr wrap="square" rtlCol="0">
+            <a:spAutoFit/>
+          </a:bodyPr>
+          <a:lstStyle/>
+          <a:p>
+            <a:r>
+              <a:rPr lang="en-US" altLang="zh-CN" sz="2400" dirty="0">
+                <a:latin typeface="Times New Roman" panose="02020603050405020304" pitchFamily="18" charset="0"/>
+                <a:cs typeface="Times New Roman" panose="02020603050405020304" pitchFamily="18" charset="0"/>
+              </a:rPr>
+              <a:t>PPO-Penalty</a:t>
+            </a:r>
+          </a:p>
+        </p:txBody>
+      </p:sp>
+      <p:graphicFrame>
+        <p:nvGraphicFramePr>
+          <p:cNvPr id="5" name="对象 4">
+            <a:extLst>
+              <a:ext uri="{FF2B5EF4-FFF2-40B4-BE49-F238E27FC236}">
+                <a16:creationId xmlns:a16="http://schemas.microsoft.com/office/drawing/2014/main" id="{0E2966B5-7464-5552-0FB2-CB58AB45B597}"/>
+              </a:ext>
+            </a:extLst>
+          </p:cNvPr>
+          <p:cNvGraphicFramePr>
+            <a:graphicFrameLocks noChangeAspect="1"/>
+          </p:cNvGraphicFramePr>
+          <p:nvPr>
+            <p:extLst>
+              <p:ext uri="{D42A27DB-BD31-4B8C-83A1-F6EECF244321}">
+                <p14:modId xmlns:p14="http://schemas.microsoft.com/office/powerpoint/2010/main" val="3445777759"/>
+              </p:ext>
+            </p:extLst>
+          </p:nvPr>
+        </p:nvGraphicFramePr>
+        <p:xfrm>
+          <a:off x="862356" y="2511123"/>
+          <a:ext cx="8569326" cy="792163"/>
+        </p:xfrm>
+        <a:graphic>
+          <a:graphicData uri="http://schemas.openxmlformats.org/presentationml/2006/ole">
+            <mc:AlternateContent xmlns:mc="http://schemas.openxmlformats.org/markup-compatibility/2006">
+              <mc:Choice xmlns:v="urn:schemas-microsoft-com:vml" Requires="v">
+                <p:oleObj name="AxMath" r:id="rId2" imgW="5031360" imgH="465120" progId="Equation.AxMath">
+                  <p:embed/>
+                </p:oleObj>
+              </mc:Choice>
+              <mc:Fallback>
+                <p:oleObj name="AxMath" r:id="rId2" imgW="5031360" imgH="465120" progId="Equation.AxMath">
+                  <p:embed/>
+                  <p:pic>
+                    <p:nvPicPr>
+                      <p:cNvPr id="5" name="对象 4">
+                        <a:extLst>
+                          <a:ext uri="{FF2B5EF4-FFF2-40B4-BE49-F238E27FC236}">
+                            <a16:creationId xmlns:a16="http://schemas.microsoft.com/office/drawing/2014/main" id="{D0932B5F-0E9E-CFDA-9147-A71901FDF608}"/>
+                          </a:ext>
+                        </a:extLst>
+                      </p:cNvPr>
+                      <p:cNvPicPr/>
+                      <p:nvPr/>
+                    </p:nvPicPr>
+                    <p:blipFill>
+                      <a:blip r:embed="rId3"/>
+                      <a:stretch>
+                        <a:fillRect/>
+                      </a:stretch>
+                    </p:blipFill>
+                    <p:spPr>
+                      <a:xfrm>
+                        <a:off x="862356" y="2511123"/>
+                        <a:ext cx="8569326" cy="792163"/>
+                      </a:xfrm>
+                      <a:prstGeom prst="rect">
+                        <a:avLst/>
+                      </a:prstGeom>
+                    </p:spPr>
+                  </p:pic>
+                </p:oleObj>
+              </mc:Fallback>
+            </mc:AlternateContent>
+          </a:graphicData>
+        </a:graphic>
+      </p:graphicFrame>
+      <p:sp>
+        <p:nvSpPr>
+          <p:cNvPr id="3" name="文本框 2">
+            <a:extLst>
+              <a:ext uri="{FF2B5EF4-FFF2-40B4-BE49-F238E27FC236}">
+                <a16:creationId xmlns:a16="http://schemas.microsoft.com/office/drawing/2014/main" id="{55466A09-B9F4-5D2B-259E-13302C9B175D}"/>
+              </a:ext>
+            </a:extLst>
+          </p:cNvPr>
+          <p:cNvSpPr txBox="1"/>
+          <p:nvPr/>
+        </p:nvSpPr>
+        <p:spPr>
+          <a:xfrm>
+            <a:off x="862356" y="3689270"/>
+            <a:ext cx="2015597" cy="461665"/>
+          </a:xfrm>
+          <a:prstGeom prst="rect">
+            <a:avLst/>
+          </a:prstGeom>
+          <a:noFill/>
+        </p:spPr>
+        <p:txBody>
+          <a:bodyPr wrap="square" rtlCol="0">
+            <a:spAutoFit/>
+          </a:bodyPr>
+          <a:lstStyle/>
+          <a:p>
+            <a:r>
+              <a:rPr lang="en-US" altLang="zh-CN" sz="2400" dirty="0">
+                <a:latin typeface="Times New Roman" panose="02020603050405020304" pitchFamily="18" charset="0"/>
+                <a:cs typeface="Times New Roman" panose="02020603050405020304" pitchFamily="18" charset="0"/>
+              </a:rPr>
+              <a:t>PPO-Clip</a:t>
+            </a:r>
+          </a:p>
+        </p:txBody>
+      </p:sp>
+      <p:graphicFrame>
+        <p:nvGraphicFramePr>
+          <p:cNvPr id="6" name="对象 5">
+            <a:extLst>
+              <a:ext uri="{FF2B5EF4-FFF2-40B4-BE49-F238E27FC236}">
+                <a16:creationId xmlns:a16="http://schemas.microsoft.com/office/drawing/2014/main" id="{50E83465-AE24-85CF-1C08-6DA909EEF520}"/>
+              </a:ext>
+            </a:extLst>
+          </p:cNvPr>
+          <p:cNvGraphicFramePr>
+            <a:graphicFrameLocks noChangeAspect="1"/>
+          </p:cNvGraphicFramePr>
+          <p:nvPr>
+            <p:extLst>
+              <p:ext uri="{D42A27DB-BD31-4B8C-83A1-F6EECF244321}">
+                <p14:modId xmlns:p14="http://schemas.microsoft.com/office/powerpoint/2010/main" val="1941827724"/>
+              </p:ext>
+            </p:extLst>
+          </p:nvPr>
+        </p:nvGraphicFramePr>
+        <p:xfrm>
+          <a:off x="862356" y="4536919"/>
+          <a:ext cx="10426700" cy="822325"/>
+        </p:xfrm>
+        <a:graphic>
+          <a:graphicData uri="http://schemas.openxmlformats.org/presentationml/2006/ole">
+            <mc:AlternateContent xmlns:mc="http://schemas.openxmlformats.org/markup-compatibility/2006">
+              <mc:Choice xmlns:v="urn:schemas-microsoft-com:vml" Requires="v">
+                <p:oleObj name="AxMath" r:id="rId4" imgW="6120720" imgH="483120" progId="Equation.AxMath">
+                  <p:embed/>
+                </p:oleObj>
+              </mc:Choice>
+              <mc:Fallback>
+                <p:oleObj name="AxMath" r:id="rId4" imgW="6120720" imgH="483120" progId="Equation.AxMath">
+                  <p:embed/>
+                  <p:pic>
+                    <p:nvPicPr>
+                      <p:cNvPr id="5" name="对象 4">
+                        <a:extLst>
+                          <a:ext uri="{FF2B5EF4-FFF2-40B4-BE49-F238E27FC236}">
+                            <a16:creationId xmlns:a16="http://schemas.microsoft.com/office/drawing/2014/main" id="{0E2966B5-7464-5552-0FB2-CB58AB45B597}"/>
+                          </a:ext>
+                        </a:extLst>
+                      </p:cNvPr>
+                      <p:cNvPicPr/>
+                      <p:nvPr/>
+                    </p:nvPicPr>
+                    <p:blipFill>
+                      <a:blip r:embed="rId5"/>
+                      <a:stretch>
+                        <a:fillRect/>
+                      </a:stretch>
+                    </p:blipFill>
+                    <p:spPr>
+                      <a:xfrm>
+                        <a:off x="862356" y="4536919"/>
+                        <a:ext cx="10426700" cy="822325"/>
+                      </a:xfrm>
+                      <a:prstGeom prst="rect">
+                        <a:avLst/>
+                      </a:prstGeom>
+                    </p:spPr>
+                  </p:pic>
+                </p:oleObj>
+              </mc:Fallback>
+            </mc:AlternateContent>
+          </a:graphicData>
+        </a:graphic>
+      </p:graphicFrame>
+      <p:sp>
+        <p:nvSpPr>
+          <p:cNvPr id="7" name="文本框 6">
+            <a:extLst>
+              <a:ext uri="{FF2B5EF4-FFF2-40B4-BE49-F238E27FC236}">
+                <a16:creationId xmlns:a16="http://schemas.microsoft.com/office/drawing/2014/main" id="{B75A2FAA-CE3A-0153-5076-A3D5989740A0}"/>
+              </a:ext>
+            </a:extLst>
+          </p:cNvPr>
+          <p:cNvSpPr txBox="1"/>
+          <p:nvPr/>
+        </p:nvSpPr>
+        <p:spPr>
+          <a:xfrm>
+            <a:off x="862355" y="387983"/>
+            <a:ext cx="2015597" cy="461665"/>
+          </a:xfrm>
+          <a:prstGeom prst="rect">
+            <a:avLst/>
+          </a:prstGeom>
+          <a:noFill/>
+        </p:spPr>
+        <p:txBody>
+          <a:bodyPr wrap="square" rtlCol="0">
+            <a:spAutoFit/>
+          </a:bodyPr>
+          <a:lstStyle/>
+          <a:p>
+            <a:r>
+              <a:rPr lang="en-US" altLang="zh-CN" sz="2400" dirty="0">
+                <a:latin typeface="Times New Roman" panose="02020603050405020304" pitchFamily="18" charset="0"/>
+                <a:cs typeface="Times New Roman" panose="02020603050405020304" pitchFamily="18" charset="0"/>
+              </a:rPr>
+              <a:t>PPO</a:t>
+            </a:r>
+          </a:p>
+        </p:txBody>
+      </p:sp>
+      <p:sp>
+        <p:nvSpPr>
+          <p:cNvPr id="10" name="文本框 9">
+            <a:extLst>
+              <a:ext uri="{FF2B5EF4-FFF2-40B4-BE49-F238E27FC236}">
+                <a16:creationId xmlns:a16="http://schemas.microsoft.com/office/drawing/2014/main" id="{07FD9860-221D-E980-AE0F-AD74D8A502AC}"/>
+              </a:ext>
+            </a:extLst>
+          </p:cNvPr>
+          <p:cNvSpPr txBox="1"/>
+          <p:nvPr/>
+        </p:nvSpPr>
+        <p:spPr>
+          <a:xfrm>
+            <a:off x="862355" y="1120216"/>
+            <a:ext cx="976070" cy="461665"/>
+          </a:xfrm>
+          <a:prstGeom prst="rect">
+            <a:avLst/>
+          </a:prstGeom>
+          <a:noFill/>
+        </p:spPr>
+        <p:txBody>
+          <a:bodyPr wrap="square" rtlCol="0">
+            <a:spAutoFit/>
+          </a:bodyPr>
+          <a:lstStyle/>
+          <a:p>
+            <a:r>
+              <a:rPr lang="en-US" altLang="zh-CN" sz="2400" dirty="0">
+                <a:latin typeface="Times New Roman" panose="02020603050405020304" pitchFamily="18" charset="0"/>
+                <a:cs typeface="Times New Roman" panose="02020603050405020304" pitchFamily="18" charset="0"/>
+              </a:rPr>
+              <a:t>TRPO</a:t>
+            </a:r>
+          </a:p>
+        </p:txBody>
+      </p:sp>
+      <p:sp>
+        <p:nvSpPr>
+          <p:cNvPr id="11" name="文本框 10">
+            <a:extLst>
+              <a:ext uri="{FF2B5EF4-FFF2-40B4-BE49-F238E27FC236}">
+                <a16:creationId xmlns:a16="http://schemas.microsoft.com/office/drawing/2014/main" id="{C737D65D-B5A2-B01E-2FC8-03F49AE9AB2A}"/>
+              </a:ext>
+            </a:extLst>
+          </p:cNvPr>
+          <p:cNvSpPr txBox="1"/>
+          <p:nvPr/>
+        </p:nvSpPr>
+        <p:spPr>
+          <a:xfrm>
+            <a:off x="4383597" y="1120215"/>
+            <a:ext cx="2015597" cy="461665"/>
+          </a:xfrm>
+          <a:prstGeom prst="rect">
+            <a:avLst/>
+          </a:prstGeom>
+          <a:noFill/>
+        </p:spPr>
+        <p:txBody>
+          <a:bodyPr wrap="square" rtlCol="0">
+            <a:spAutoFit/>
+          </a:bodyPr>
+          <a:lstStyle/>
+          <a:p>
+            <a:r>
+              <a:rPr lang="en-US" altLang="zh-CN" sz="2400" dirty="0">
+                <a:latin typeface="Times New Roman" panose="02020603050405020304" pitchFamily="18" charset="0"/>
+                <a:cs typeface="Times New Roman" panose="02020603050405020304" pitchFamily="18" charset="0"/>
+              </a:rPr>
+              <a:t>PPO</a:t>
+            </a:r>
+          </a:p>
+        </p:txBody>
+      </p:sp>
+      <p:sp>
+        <p:nvSpPr>
+          <p:cNvPr id="13" name="文本框 12">
+            <a:extLst>
+              <a:ext uri="{FF2B5EF4-FFF2-40B4-BE49-F238E27FC236}">
+                <a16:creationId xmlns:a16="http://schemas.microsoft.com/office/drawing/2014/main" id="{2A89F9B2-A29C-F55A-A08F-8A05927A17BA}"/>
+              </a:ext>
+            </a:extLst>
+          </p:cNvPr>
+          <p:cNvSpPr txBox="1"/>
+          <p:nvPr/>
+        </p:nvSpPr>
+        <p:spPr>
+          <a:xfrm>
+            <a:off x="2103212" y="911659"/>
+            <a:ext cx="2015597" cy="461665"/>
+          </a:xfrm>
+          <a:prstGeom prst="rect">
+            <a:avLst/>
+          </a:prstGeom>
+          <a:noFill/>
+        </p:spPr>
+        <p:txBody>
+          <a:bodyPr wrap="square">
+            <a:spAutoFit/>
+          </a:bodyPr>
+          <a:lstStyle/>
+          <a:p>
+            <a:r>
+              <a:rPr lang="zh-CN" altLang="en-US" sz="2400" dirty="0">
+                <a:latin typeface="Times New Roman" panose="02020603050405020304" pitchFamily="18" charset="0"/>
+                <a:cs typeface="Times New Roman" panose="02020603050405020304" pitchFamily="18" charset="0"/>
+              </a:rPr>
+              <a:t>Unconstrained</a:t>
+            </a:r>
+          </a:p>
+        </p:txBody>
+      </p:sp>
+      <p:sp>
+        <p:nvSpPr>
+          <p:cNvPr id="14" name="箭头: 右 13">
+            <a:extLst>
+              <a:ext uri="{FF2B5EF4-FFF2-40B4-BE49-F238E27FC236}">
+                <a16:creationId xmlns:a16="http://schemas.microsoft.com/office/drawing/2014/main" id="{B6E0E304-0D26-D48C-1682-D4A70965F826}"/>
+              </a:ext>
+            </a:extLst>
+          </p:cNvPr>
+          <p:cNvSpPr/>
+          <p:nvPr/>
+        </p:nvSpPr>
+        <p:spPr>
+          <a:xfrm>
+            <a:off x="1838424" y="1311478"/>
+            <a:ext cx="2627698" cy="123857"/>
+          </a:xfrm>
+          <a:prstGeom prst="rightArrow">
+            <a:avLst/>
+          </a:prstGeom>
+          <a:noFill/>
+          <a:ln>
+            <a:solidFill>
+              <a:schemeClr val="tx1"/>
+            </a:solidFill>
+          </a:ln>
+        </p:spPr>
+        <p:style>
+          <a:lnRef idx="2">
+            <a:schemeClr val="accent1">
+              <a:shade val="15000"/>
+            </a:schemeClr>
+          </a:lnRef>
+          <a:fillRef idx="1">
+            <a:schemeClr val="accent1"/>
+          </a:fillRef>
+          <a:effectRef idx="0">
+            <a:schemeClr val="accent1"/>
+          </a:effectRef>
+          <a:fontRef idx="minor">
+            <a:schemeClr val="lt1"/>
+          </a:fontRef>
+        </p:style>
+        <p:txBody>
+          <a:bodyPr rtlCol="0" anchor="ctr"/>
+          <a:lstStyle/>
+          <a:p>
+            <a:pPr algn="ctr"/>
+            <a:endParaRPr lang="zh-CN" altLang="en-US"/>
+          </a:p>
+        </p:txBody>
+      </p:sp>
+    </p:spTree>
+    <p:extLst>
+      <p:ext uri="{BB962C8B-B14F-4D97-AF65-F5344CB8AC3E}">
+        <p14:creationId xmlns:p14="http://schemas.microsoft.com/office/powerpoint/2010/main" val="3049110329"/>
+      </p:ext>
+    </p:extLst>
+  </p:cSld>
+  <p:clrMapOvr>
+    <a:masterClrMapping/>
+  </p:clrMapOvr>
+</p:sld>
+</file>
+
+<file path=ppt/slides/slide7.xml><?xml version="1.0" encoding="utf-8"?>
+<p:sld xmlns:a="http://schemas.openxmlformats.org/drawingml/2006/main" xmlns:r="http://schemas.openxmlformats.org/officeDocument/2006/relationships" xmlns:p="http://schemas.openxmlformats.org/presentationml/2006/main">
+  <p:cSld>
+    <p:spTree>
+      <p:nvGrpSpPr>
+        <p:cNvPr id="1" name="">
+          <a:extLst>
+            <a:ext uri="{FF2B5EF4-FFF2-40B4-BE49-F238E27FC236}">
+              <a16:creationId xmlns:a16="http://schemas.microsoft.com/office/drawing/2014/main" id="{455B9A5C-3791-0620-1638-8DFF4D6DAE93}"/>
+            </a:ext>
+          </a:extLst>
+        </p:cNvPr>
+        <p:cNvGrpSpPr/>
+        <p:nvPr/>
+      </p:nvGrpSpPr>
+      <p:grpSpPr>
+        <a:xfrm>
+          <a:off x="0" y="0"/>
+          <a:ext cx="0" cy="0"/>
+          <a:chOff x="0" y="0"/>
+          <a:chExt cx="0" cy="0"/>
+        </a:xfrm>
+      </p:grpSpPr>
+      <p:sp>
+        <p:nvSpPr>
+          <p:cNvPr id="4" name="文本框 3">
+            <a:extLst>
+              <a:ext uri="{FF2B5EF4-FFF2-40B4-BE49-F238E27FC236}">
+                <a16:creationId xmlns:a16="http://schemas.microsoft.com/office/drawing/2014/main" id="{F4CDF9C4-A6BD-8256-BA77-69A10D58A636}"/>
+              </a:ext>
+            </a:extLst>
+          </p:cNvPr>
+          <p:cNvSpPr txBox="1"/>
+          <p:nvPr/>
+        </p:nvSpPr>
+        <p:spPr>
+          <a:xfrm>
+            <a:off x="862357" y="495287"/>
+            <a:ext cx="6828228" cy="461665"/>
+          </a:xfrm>
+          <a:prstGeom prst="rect">
+            <a:avLst/>
+          </a:prstGeom>
+          <a:noFill/>
+        </p:spPr>
+        <p:txBody>
+          <a:bodyPr wrap="square" rtlCol="0">
+            <a:spAutoFit/>
+          </a:bodyPr>
+          <a:lstStyle/>
+          <a:p>
+            <a:r>
+              <a:rPr lang="en-US" altLang="zh-CN" sz="2400" dirty="0">
+                <a:latin typeface="Times New Roman" panose="02020603050405020304" pitchFamily="18" charset="0"/>
+                <a:cs typeface="Times New Roman" panose="02020603050405020304" pitchFamily="18" charset="0"/>
+              </a:rPr>
+              <a:t>Advantage actor-critic (A2C) or TD actor-critic</a:t>
+            </a:r>
+          </a:p>
+        </p:txBody>
+      </p:sp>
+      <p:pic>
+        <p:nvPicPr>
+          <p:cNvPr id="6" name="图片 5">
+            <a:extLst>
+              <a:ext uri="{FF2B5EF4-FFF2-40B4-BE49-F238E27FC236}">
+                <a16:creationId xmlns:a16="http://schemas.microsoft.com/office/drawing/2014/main" id="{F0A33539-D0E4-7D3C-F865-E9BCDB28D6BD}"/>
+              </a:ext>
+            </a:extLst>
+          </p:cNvPr>
+          <p:cNvPicPr>
+            <a:picLocks noChangeAspect="1"/>
+          </p:cNvPicPr>
+          <p:nvPr/>
+        </p:nvPicPr>
+        <p:blipFill>
+          <a:blip r:embed="rId2"/>
+          <a:stretch>
+            <a:fillRect/>
+          </a:stretch>
+        </p:blipFill>
+        <p:spPr>
+          <a:xfrm>
+            <a:off x="862357" y="1814409"/>
+            <a:ext cx="9253795" cy="4264177"/>
+          </a:xfrm>
+          <a:prstGeom prst="rect">
+            <a:avLst/>
+          </a:prstGeom>
+        </p:spPr>
+      </p:pic>
+      <p:sp>
+        <p:nvSpPr>
+          <p:cNvPr id="7" name="文本框 6">
+            <a:extLst>
+              <a:ext uri="{FF2B5EF4-FFF2-40B4-BE49-F238E27FC236}">
+                <a16:creationId xmlns:a16="http://schemas.microsoft.com/office/drawing/2014/main" id="{867AC2AE-1026-6EB3-9DE0-946D5575719E}"/>
+              </a:ext>
+            </a:extLst>
+          </p:cNvPr>
+          <p:cNvSpPr txBox="1"/>
+          <p:nvPr/>
+        </p:nvSpPr>
+        <p:spPr>
+          <a:xfrm>
+            <a:off x="862357" y="1157295"/>
+            <a:ext cx="2756742" cy="461665"/>
+          </a:xfrm>
+          <a:prstGeom prst="rect">
+            <a:avLst/>
+          </a:prstGeom>
+          <a:noFill/>
+        </p:spPr>
+        <p:txBody>
+          <a:bodyPr wrap="square" rtlCol="0">
+            <a:spAutoFit/>
+          </a:bodyPr>
+          <a:lstStyle/>
+          <a:p>
+            <a:r>
+              <a:rPr lang="en-US" altLang="zh-CN" sz="2400" dirty="0">
+                <a:solidFill>
+                  <a:srgbClr val="FF0000"/>
+                </a:solidFill>
+                <a:latin typeface="Times New Roman" panose="02020603050405020304" pitchFamily="18" charset="0"/>
+                <a:cs typeface="Times New Roman" panose="02020603050405020304" pitchFamily="18" charset="0"/>
+              </a:rPr>
+              <a:t>Advantage Function :</a:t>
+            </a:r>
+            <a:r>
+              <a:rPr lang="zh-CN" altLang="en-US" sz="2400" dirty="0">
+                <a:solidFill>
+                  <a:srgbClr val="FF0000"/>
+                </a:solidFill>
+                <a:latin typeface="Times New Roman" panose="02020603050405020304" pitchFamily="18" charset="0"/>
+                <a:cs typeface="Times New Roman" panose="02020603050405020304" pitchFamily="18" charset="0"/>
+              </a:rPr>
+              <a:t> </a:t>
+            </a:r>
+            <a:endParaRPr lang="en-US" altLang="zh-CN" sz="2400" dirty="0">
+              <a:solidFill>
+                <a:srgbClr val="FF0000"/>
+              </a:solidFill>
+              <a:latin typeface="Times New Roman" panose="02020603050405020304" pitchFamily="18" charset="0"/>
+              <a:cs typeface="Times New Roman" panose="02020603050405020304" pitchFamily="18" charset="0"/>
+            </a:endParaRPr>
+          </a:p>
+        </p:txBody>
+      </p:sp>
+      <p:pic>
+        <p:nvPicPr>
+          <p:cNvPr id="9" name="图片 8">
+            <a:extLst>
+              <a:ext uri="{FF2B5EF4-FFF2-40B4-BE49-F238E27FC236}">
+                <a16:creationId xmlns:a16="http://schemas.microsoft.com/office/drawing/2014/main" id="{FCAAEB03-1D21-1079-CC85-3503AFB06028}"/>
+              </a:ext>
+            </a:extLst>
+          </p:cNvPr>
+          <p:cNvPicPr>
+            <a:picLocks noChangeAspect="1"/>
+          </p:cNvPicPr>
+          <p:nvPr/>
+        </p:nvPicPr>
+        <p:blipFill>
+          <a:blip r:embed="rId3"/>
+          <a:stretch>
+            <a:fillRect/>
+          </a:stretch>
+        </p:blipFill>
+        <p:spPr>
+          <a:xfrm>
+            <a:off x="3744328" y="1152401"/>
+            <a:ext cx="3772569" cy="601850"/>
+          </a:xfrm>
+          <a:prstGeom prst="rect">
+            <a:avLst/>
+          </a:prstGeom>
+        </p:spPr>
+      </p:pic>
+      <p:sp>
+        <p:nvSpPr>
+          <p:cNvPr id="11" name="文本框 10">
+            <a:extLst>
+              <a:ext uri="{FF2B5EF4-FFF2-40B4-BE49-F238E27FC236}">
+                <a16:creationId xmlns:a16="http://schemas.microsoft.com/office/drawing/2014/main" id="{99BE07A1-8944-1695-5D03-DABEA12FD6F8}"/>
+              </a:ext>
+            </a:extLst>
+          </p:cNvPr>
+          <p:cNvSpPr txBox="1"/>
+          <p:nvPr/>
+        </p:nvSpPr>
+        <p:spPr>
+          <a:xfrm>
+            <a:off x="7861433" y="1230332"/>
+            <a:ext cx="1715371" cy="369332"/>
+          </a:xfrm>
+          <a:prstGeom prst="rect">
+            <a:avLst/>
+          </a:prstGeom>
+          <a:noFill/>
+        </p:spPr>
+        <p:txBody>
+          <a:bodyPr wrap="square">
+            <a:spAutoFit/>
+          </a:bodyPr>
+          <a:lstStyle/>
+          <a:p>
+            <a:r>
+              <a:rPr lang="en-US" altLang="zh-CN" dirty="0">
+                <a:latin typeface="Times New Roman" panose="02020603050405020304" pitchFamily="18" charset="0"/>
+                <a:cs typeface="Times New Roman" panose="02020603050405020304" pitchFamily="18" charset="0"/>
+              </a:rPr>
+              <a:t>reduce variance</a:t>
+            </a:r>
+            <a:endParaRPr lang="zh-CN" altLang="en-US" dirty="0">
+              <a:latin typeface="Times New Roman" panose="02020603050405020304" pitchFamily="18" charset="0"/>
+              <a:cs typeface="Times New Roman" panose="02020603050405020304" pitchFamily="18" charset="0"/>
+            </a:endParaRPr>
+          </a:p>
+        </p:txBody>
+      </p:sp>
+    </p:spTree>
+    <p:extLst>
+      <p:ext uri="{BB962C8B-B14F-4D97-AF65-F5344CB8AC3E}">
+        <p14:creationId xmlns:p14="http://schemas.microsoft.com/office/powerpoint/2010/main" val="3496081114"/>
       </p:ext>
     </p:extLst>
   </p:cSld>

--- a/ACtoPPO.pptx
+++ b/ACtoPPO.pptx
@@ -5,13 +5,16 @@
     <p:sldMasterId id="2147483648" r:id="rId1"/>
   </p:sldMasterIdLst>
   <p:sldIdLst>
-    <p:sldId id="259" r:id="rId2"/>
-    <p:sldId id="256" r:id="rId3"/>
-    <p:sldId id="261" r:id="rId4"/>
-    <p:sldId id="260" r:id="rId5"/>
-    <p:sldId id="257" r:id="rId6"/>
-    <p:sldId id="258" r:id="rId7"/>
-    <p:sldId id="262" r:id="rId8"/>
+    <p:sldId id="265" r:id="rId2"/>
+    <p:sldId id="263" r:id="rId3"/>
+    <p:sldId id="264" r:id="rId4"/>
+    <p:sldId id="259" r:id="rId5"/>
+    <p:sldId id="256" r:id="rId6"/>
+    <p:sldId id="261" r:id="rId7"/>
+    <p:sldId id="260" r:id="rId8"/>
+    <p:sldId id="257" r:id="rId9"/>
+    <p:sldId id="258" r:id="rId10"/>
+    <p:sldId id="262" r:id="rId11"/>
   </p:sldIdLst>
   <p:sldSz cx="12192000" cy="6858000"/>
   <p:notesSz cx="6858000" cy="9144000"/>
@@ -265,7 +268,7 @@
           <a:p>
             <a:fld id="{162CCB64-20E9-4320-A446-8EFA082C6043}" type="datetimeFigureOut">
               <a:rPr lang="zh-CN" altLang="en-US" smtClean="0"/>
-              <a:t>2024/10/31</a:t>
+              <a:t>2024/11/1</a:t>
             </a:fld>
             <a:endParaRPr lang="zh-CN" altLang="en-US"/>
           </a:p>
@@ -463,7 +466,7 @@
           <a:p>
             <a:fld id="{162CCB64-20E9-4320-A446-8EFA082C6043}" type="datetimeFigureOut">
               <a:rPr lang="zh-CN" altLang="en-US" smtClean="0"/>
-              <a:t>2024/10/31</a:t>
+              <a:t>2024/11/1</a:t>
             </a:fld>
             <a:endParaRPr lang="zh-CN" altLang="en-US"/>
           </a:p>
@@ -671,7 +674,7 @@
           <a:p>
             <a:fld id="{162CCB64-20E9-4320-A446-8EFA082C6043}" type="datetimeFigureOut">
               <a:rPr lang="zh-CN" altLang="en-US" smtClean="0"/>
-              <a:t>2024/10/31</a:t>
+              <a:t>2024/11/1</a:t>
             </a:fld>
             <a:endParaRPr lang="zh-CN" altLang="en-US"/>
           </a:p>
@@ -869,7 +872,7 @@
           <a:p>
             <a:fld id="{162CCB64-20E9-4320-A446-8EFA082C6043}" type="datetimeFigureOut">
               <a:rPr lang="zh-CN" altLang="en-US" smtClean="0"/>
-              <a:t>2024/10/31</a:t>
+              <a:t>2024/11/1</a:t>
             </a:fld>
             <a:endParaRPr lang="zh-CN" altLang="en-US"/>
           </a:p>
@@ -1144,7 +1147,7 @@
           <a:p>
             <a:fld id="{162CCB64-20E9-4320-A446-8EFA082C6043}" type="datetimeFigureOut">
               <a:rPr lang="zh-CN" altLang="en-US" smtClean="0"/>
-              <a:t>2024/10/31</a:t>
+              <a:t>2024/11/1</a:t>
             </a:fld>
             <a:endParaRPr lang="zh-CN" altLang="en-US"/>
           </a:p>
@@ -1409,7 +1412,7 @@
           <a:p>
             <a:fld id="{162CCB64-20E9-4320-A446-8EFA082C6043}" type="datetimeFigureOut">
               <a:rPr lang="zh-CN" altLang="en-US" smtClean="0"/>
-              <a:t>2024/10/31</a:t>
+              <a:t>2024/11/1</a:t>
             </a:fld>
             <a:endParaRPr lang="zh-CN" altLang="en-US"/>
           </a:p>
@@ -1821,7 +1824,7 @@
           <a:p>
             <a:fld id="{162CCB64-20E9-4320-A446-8EFA082C6043}" type="datetimeFigureOut">
               <a:rPr lang="zh-CN" altLang="en-US" smtClean="0"/>
-              <a:t>2024/10/31</a:t>
+              <a:t>2024/11/1</a:t>
             </a:fld>
             <a:endParaRPr lang="zh-CN" altLang="en-US"/>
           </a:p>
@@ -1962,7 +1965,7 @@
           <a:p>
             <a:fld id="{162CCB64-20E9-4320-A446-8EFA082C6043}" type="datetimeFigureOut">
               <a:rPr lang="zh-CN" altLang="en-US" smtClean="0"/>
-              <a:t>2024/10/31</a:t>
+              <a:t>2024/11/1</a:t>
             </a:fld>
             <a:endParaRPr lang="zh-CN" altLang="en-US"/>
           </a:p>
@@ -2075,7 +2078,7 @@
           <a:p>
             <a:fld id="{162CCB64-20E9-4320-A446-8EFA082C6043}" type="datetimeFigureOut">
               <a:rPr lang="zh-CN" altLang="en-US" smtClean="0"/>
-              <a:t>2024/10/31</a:t>
+              <a:t>2024/11/1</a:t>
             </a:fld>
             <a:endParaRPr lang="zh-CN" altLang="en-US"/>
           </a:p>
@@ -2386,7 +2389,7 @@
           <a:p>
             <a:fld id="{162CCB64-20E9-4320-A446-8EFA082C6043}" type="datetimeFigureOut">
               <a:rPr lang="zh-CN" altLang="en-US" smtClean="0"/>
-              <a:t>2024/10/31</a:t>
+              <a:t>2024/11/1</a:t>
             </a:fld>
             <a:endParaRPr lang="zh-CN" altLang="en-US"/>
           </a:p>
@@ -2674,7 +2677,7 @@
           <a:p>
             <a:fld id="{162CCB64-20E9-4320-A446-8EFA082C6043}" type="datetimeFigureOut">
               <a:rPr lang="zh-CN" altLang="en-US" smtClean="0"/>
-              <a:t>2024/10/31</a:t>
+              <a:t>2024/11/1</a:t>
             </a:fld>
             <a:endParaRPr lang="zh-CN" altLang="en-US"/>
           </a:p>
@@ -2915,7 +2918,7 @@
           <a:p>
             <a:fld id="{162CCB64-20E9-4320-A446-8EFA082C6043}" type="datetimeFigureOut">
               <a:rPr lang="zh-CN" altLang="en-US" smtClean="0"/>
-              <a:t>2024/10/31</a:t>
+              <a:t>2024/11/1</a:t>
             </a:fld>
             <a:endParaRPr lang="zh-CN" altLang="en-US"/>
           </a:p>
@@ -3323,6 +3326,878 @@
         <p:cNvPr id="1" name="">
           <a:extLst>
             <a:ext uri="{FF2B5EF4-FFF2-40B4-BE49-F238E27FC236}">
+              <a16:creationId xmlns:a16="http://schemas.microsoft.com/office/drawing/2014/main" id="{B59C60AE-91F7-0B2B-B522-BC8CE904144D}"/>
+            </a:ext>
+          </a:extLst>
+        </p:cNvPr>
+        <p:cNvGrpSpPr/>
+        <p:nvPr/>
+      </p:nvGrpSpPr>
+      <p:grpSpPr>
+        <a:xfrm>
+          <a:off x="0" y="0"/>
+          <a:ext cx="0" cy="0"/>
+          <a:chOff x="0" y="0"/>
+          <a:chExt cx="0" cy="0"/>
+        </a:xfrm>
+      </p:grpSpPr>
+      <p:sp>
+        <p:nvSpPr>
+          <p:cNvPr id="4" name="文本框 3">
+            <a:extLst>
+              <a:ext uri="{FF2B5EF4-FFF2-40B4-BE49-F238E27FC236}">
+                <a16:creationId xmlns:a16="http://schemas.microsoft.com/office/drawing/2014/main" id="{54B1EE85-1D96-8FCA-BC21-7FBD797B948A}"/>
+              </a:ext>
+            </a:extLst>
+          </p:cNvPr>
+          <p:cNvSpPr txBox="1"/>
+          <p:nvPr/>
+        </p:nvSpPr>
+        <p:spPr>
+          <a:xfrm>
+            <a:off x="914401" y="424543"/>
+            <a:ext cx="3984170" cy="461665"/>
+          </a:xfrm>
+          <a:prstGeom prst="rect">
+            <a:avLst/>
+          </a:prstGeom>
+          <a:noFill/>
+        </p:spPr>
+        <p:txBody>
+          <a:bodyPr wrap="square" rtlCol="0">
+            <a:spAutoFit/>
+          </a:bodyPr>
+          <a:lstStyle/>
+          <a:p>
+            <a:r>
+              <a:rPr lang="en-US" altLang="zh-CN" sz="2400" dirty="0">
+                <a:latin typeface="Times New Roman" panose="02020603050405020304" pitchFamily="18" charset="0"/>
+                <a:cs typeface="Times New Roman" panose="02020603050405020304" pitchFamily="18" charset="0"/>
+              </a:rPr>
+              <a:t>TD learning of state values</a:t>
+            </a:r>
+          </a:p>
+        </p:txBody>
+      </p:sp>
+      <p:pic>
+        <p:nvPicPr>
+          <p:cNvPr id="8" name="图片 7">
+            <a:extLst>
+              <a:ext uri="{FF2B5EF4-FFF2-40B4-BE49-F238E27FC236}">
+                <a16:creationId xmlns:a16="http://schemas.microsoft.com/office/drawing/2014/main" id="{AFE69E4F-2565-8FB6-EF0F-C5B71EA17AFE}"/>
+              </a:ext>
+            </a:extLst>
+          </p:cNvPr>
+          <p:cNvPicPr>
+            <a:picLocks noChangeAspect="1"/>
+          </p:cNvPicPr>
+          <p:nvPr/>
+        </p:nvPicPr>
+        <p:blipFill>
+          <a:blip r:embed="rId2"/>
+          <a:stretch>
+            <a:fillRect/>
+          </a:stretch>
+        </p:blipFill>
+        <p:spPr>
+          <a:xfrm>
+            <a:off x="914400" y="886208"/>
+            <a:ext cx="7091868" cy="2662786"/>
+          </a:xfrm>
+          <a:prstGeom prst="rect">
+            <a:avLst/>
+          </a:prstGeom>
+        </p:spPr>
+      </p:pic>
+      <p:sp>
+        <p:nvSpPr>
+          <p:cNvPr id="9" name="文本框 8">
+            <a:extLst>
+              <a:ext uri="{FF2B5EF4-FFF2-40B4-BE49-F238E27FC236}">
+                <a16:creationId xmlns:a16="http://schemas.microsoft.com/office/drawing/2014/main" id="{BB25D0E9-7519-C4D6-8760-47690AE30C47}"/>
+              </a:ext>
+            </a:extLst>
+          </p:cNvPr>
+          <p:cNvSpPr txBox="1"/>
+          <p:nvPr/>
+        </p:nvSpPr>
+        <p:spPr>
+          <a:xfrm>
+            <a:off x="816428" y="3587007"/>
+            <a:ext cx="4713513" cy="461665"/>
+          </a:xfrm>
+          <a:prstGeom prst="rect">
+            <a:avLst/>
+          </a:prstGeom>
+          <a:noFill/>
+        </p:spPr>
+        <p:txBody>
+          <a:bodyPr wrap="square" rtlCol="0">
+            <a:spAutoFit/>
+          </a:bodyPr>
+          <a:lstStyle/>
+          <a:p>
+            <a:r>
+              <a:rPr lang="en-US" altLang="zh-CN" sz="2400" dirty="0">
+                <a:latin typeface="Times New Roman" panose="02020603050405020304" pitchFamily="18" charset="0"/>
+                <a:cs typeface="Times New Roman" panose="02020603050405020304" pitchFamily="18" charset="0"/>
+              </a:rPr>
+              <a:t>TD learning of action values: </a:t>
+            </a:r>
+            <a:r>
+              <a:rPr lang="en-US" altLang="zh-CN" sz="2400" dirty="0" err="1">
+                <a:latin typeface="Times New Roman" panose="02020603050405020304" pitchFamily="18" charset="0"/>
+                <a:cs typeface="Times New Roman" panose="02020603050405020304" pitchFamily="18" charset="0"/>
+              </a:rPr>
+              <a:t>Sarsa</a:t>
+            </a:r>
+            <a:endParaRPr lang="en-US" altLang="zh-CN" sz="2400" dirty="0">
+              <a:latin typeface="Times New Roman" panose="02020603050405020304" pitchFamily="18" charset="0"/>
+              <a:cs typeface="Times New Roman" panose="02020603050405020304" pitchFamily="18" charset="0"/>
+            </a:endParaRPr>
+          </a:p>
+        </p:txBody>
+      </p:sp>
+      <p:pic>
+        <p:nvPicPr>
+          <p:cNvPr id="11" name="图片 10">
+            <a:extLst>
+              <a:ext uri="{FF2B5EF4-FFF2-40B4-BE49-F238E27FC236}">
+                <a16:creationId xmlns:a16="http://schemas.microsoft.com/office/drawing/2014/main" id="{21F371D2-CDAB-B9AF-5889-DAA4DDA38EB0}"/>
+              </a:ext>
+            </a:extLst>
+          </p:cNvPr>
+          <p:cNvPicPr>
+            <a:picLocks noChangeAspect="1"/>
+          </p:cNvPicPr>
+          <p:nvPr/>
+        </p:nvPicPr>
+        <p:blipFill>
+          <a:blip r:embed="rId3"/>
+          <a:stretch>
+            <a:fillRect/>
+          </a:stretch>
+        </p:blipFill>
+        <p:spPr>
+          <a:xfrm>
+            <a:off x="914400" y="4176242"/>
+            <a:ext cx="7075714" cy="2662787"/>
+          </a:xfrm>
+          <a:prstGeom prst="rect">
+            <a:avLst/>
+          </a:prstGeom>
+        </p:spPr>
+      </p:pic>
+    </p:spTree>
+    <p:extLst>
+      <p:ext uri="{BB962C8B-B14F-4D97-AF65-F5344CB8AC3E}">
+        <p14:creationId xmlns:p14="http://schemas.microsoft.com/office/powerpoint/2010/main" val="4196727361"/>
+      </p:ext>
+    </p:extLst>
+  </p:cSld>
+  <p:clrMapOvr>
+    <a:masterClrMapping/>
+  </p:clrMapOvr>
+</p:sld>
+</file>
+
+<file path=ppt/slides/slide10.xml><?xml version="1.0" encoding="utf-8"?>
+<p:sld xmlns:a="http://schemas.openxmlformats.org/drawingml/2006/main" xmlns:r="http://schemas.openxmlformats.org/officeDocument/2006/relationships" xmlns:p="http://schemas.openxmlformats.org/presentationml/2006/main">
+  <p:cSld>
+    <p:spTree>
+      <p:nvGrpSpPr>
+        <p:cNvPr id="1" name="">
+          <a:extLst>
+            <a:ext uri="{FF2B5EF4-FFF2-40B4-BE49-F238E27FC236}">
+              <a16:creationId xmlns:a16="http://schemas.microsoft.com/office/drawing/2014/main" id="{455B9A5C-3791-0620-1638-8DFF4D6DAE93}"/>
+            </a:ext>
+          </a:extLst>
+        </p:cNvPr>
+        <p:cNvGrpSpPr/>
+        <p:nvPr/>
+      </p:nvGrpSpPr>
+      <p:grpSpPr>
+        <a:xfrm>
+          <a:off x="0" y="0"/>
+          <a:ext cx="0" cy="0"/>
+          <a:chOff x="0" y="0"/>
+          <a:chExt cx="0" cy="0"/>
+        </a:xfrm>
+      </p:grpSpPr>
+      <p:sp>
+        <p:nvSpPr>
+          <p:cNvPr id="4" name="文本框 3">
+            <a:extLst>
+              <a:ext uri="{FF2B5EF4-FFF2-40B4-BE49-F238E27FC236}">
+                <a16:creationId xmlns:a16="http://schemas.microsoft.com/office/drawing/2014/main" id="{F4CDF9C4-A6BD-8256-BA77-69A10D58A636}"/>
+              </a:ext>
+            </a:extLst>
+          </p:cNvPr>
+          <p:cNvSpPr txBox="1"/>
+          <p:nvPr/>
+        </p:nvSpPr>
+        <p:spPr>
+          <a:xfrm>
+            <a:off x="862357" y="495287"/>
+            <a:ext cx="6828228" cy="461665"/>
+          </a:xfrm>
+          <a:prstGeom prst="rect">
+            <a:avLst/>
+          </a:prstGeom>
+          <a:noFill/>
+        </p:spPr>
+        <p:txBody>
+          <a:bodyPr wrap="square" rtlCol="0">
+            <a:spAutoFit/>
+          </a:bodyPr>
+          <a:lstStyle/>
+          <a:p>
+            <a:r>
+              <a:rPr lang="en-US" altLang="zh-CN" sz="2400" dirty="0">
+                <a:latin typeface="Times New Roman" panose="02020603050405020304" pitchFamily="18" charset="0"/>
+                <a:cs typeface="Times New Roman" panose="02020603050405020304" pitchFamily="18" charset="0"/>
+              </a:rPr>
+              <a:t>Advantage actor-critic (A2C) or TD actor-critic</a:t>
+            </a:r>
+          </a:p>
+        </p:txBody>
+      </p:sp>
+      <p:pic>
+        <p:nvPicPr>
+          <p:cNvPr id="6" name="图片 5">
+            <a:extLst>
+              <a:ext uri="{FF2B5EF4-FFF2-40B4-BE49-F238E27FC236}">
+                <a16:creationId xmlns:a16="http://schemas.microsoft.com/office/drawing/2014/main" id="{F0A33539-D0E4-7D3C-F865-E9BCDB28D6BD}"/>
+              </a:ext>
+            </a:extLst>
+          </p:cNvPr>
+          <p:cNvPicPr>
+            <a:picLocks noChangeAspect="1"/>
+          </p:cNvPicPr>
+          <p:nvPr/>
+        </p:nvPicPr>
+        <p:blipFill>
+          <a:blip r:embed="rId2"/>
+          <a:stretch>
+            <a:fillRect/>
+          </a:stretch>
+        </p:blipFill>
+        <p:spPr>
+          <a:xfrm>
+            <a:off x="862357" y="1814409"/>
+            <a:ext cx="9253795" cy="4264177"/>
+          </a:xfrm>
+          <a:prstGeom prst="rect">
+            <a:avLst/>
+          </a:prstGeom>
+        </p:spPr>
+      </p:pic>
+      <p:sp>
+        <p:nvSpPr>
+          <p:cNvPr id="7" name="文本框 6">
+            <a:extLst>
+              <a:ext uri="{FF2B5EF4-FFF2-40B4-BE49-F238E27FC236}">
+                <a16:creationId xmlns:a16="http://schemas.microsoft.com/office/drawing/2014/main" id="{867AC2AE-1026-6EB3-9DE0-946D5575719E}"/>
+              </a:ext>
+            </a:extLst>
+          </p:cNvPr>
+          <p:cNvSpPr txBox="1"/>
+          <p:nvPr/>
+        </p:nvSpPr>
+        <p:spPr>
+          <a:xfrm>
+            <a:off x="862357" y="1157295"/>
+            <a:ext cx="2756742" cy="461665"/>
+          </a:xfrm>
+          <a:prstGeom prst="rect">
+            <a:avLst/>
+          </a:prstGeom>
+          <a:noFill/>
+        </p:spPr>
+        <p:txBody>
+          <a:bodyPr wrap="square" rtlCol="0">
+            <a:spAutoFit/>
+          </a:bodyPr>
+          <a:lstStyle/>
+          <a:p>
+            <a:r>
+              <a:rPr lang="en-US" altLang="zh-CN" sz="2400" dirty="0">
+                <a:solidFill>
+                  <a:srgbClr val="FF0000"/>
+                </a:solidFill>
+                <a:latin typeface="Times New Roman" panose="02020603050405020304" pitchFamily="18" charset="0"/>
+                <a:cs typeface="Times New Roman" panose="02020603050405020304" pitchFamily="18" charset="0"/>
+              </a:rPr>
+              <a:t>Advantage Function :</a:t>
+            </a:r>
+            <a:r>
+              <a:rPr lang="zh-CN" altLang="en-US" sz="2400" dirty="0">
+                <a:solidFill>
+                  <a:srgbClr val="FF0000"/>
+                </a:solidFill>
+                <a:latin typeface="Times New Roman" panose="02020603050405020304" pitchFamily="18" charset="0"/>
+                <a:cs typeface="Times New Roman" panose="02020603050405020304" pitchFamily="18" charset="0"/>
+              </a:rPr>
+              <a:t> </a:t>
+            </a:r>
+            <a:endParaRPr lang="en-US" altLang="zh-CN" sz="2400" dirty="0">
+              <a:solidFill>
+                <a:srgbClr val="FF0000"/>
+              </a:solidFill>
+              <a:latin typeface="Times New Roman" panose="02020603050405020304" pitchFamily="18" charset="0"/>
+              <a:cs typeface="Times New Roman" panose="02020603050405020304" pitchFamily="18" charset="0"/>
+            </a:endParaRPr>
+          </a:p>
+        </p:txBody>
+      </p:sp>
+      <p:pic>
+        <p:nvPicPr>
+          <p:cNvPr id="9" name="图片 8">
+            <a:extLst>
+              <a:ext uri="{FF2B5EF4-FFF2-40B4-BE49-F238E27FC236}">
+                <a16:creationId xmlns:a16="http://schemas.microsoft.com/office/drawing/2014/main" id="{FCAAEB03-1D21-1079-CC85-3503AFB06028}"/>
+              </a:ext>
+            </a:extLst>
+          </p:cNvPr>
+          <p:cNvPicPr>
+            <a:picLocks noChangeAspect="1"/>
+          </p:cNvPicPr>
+          <p:nvPr/>
+        </p:nvPicPr>
+        <p:blipFill>
+          <a:blip r:embed="rId3"/>
+          <a:stretch>
+            <a:fillRect/>
+          </a:stretch>
+        </p:blipFill>
+        <p:spPr>
+          <a:xfrm>
+            <a:off x="3744328" y="1152401"/>
+            <a:ext cx="3772569" cy="601850"/>
+          </a:xfrm>
+          <a:prstGeom prst="rect">
+            <a:avLst/>
+          </a:prstGeom>
+        </p:spPr>
+      </p:pic>
+      <p:sp>
+        <p:nvSpPr>
+          <p:cNvPr id="11" name="文本框 10">
+            <a:extLst>
+              <a:ext uri="{FF2B5EF4-FFF2-40B4-BE49-F238E27FC236}">
+                <a16:creationId xmlns:a16="http://schemas.microsoft.com/office/drawing/2014/main" id="{99BE07A1-8944-1695-5D03-DABEA12FD6F8}"/>
+              </a:ext>
+            </a:extLst>
+          </p:cNvPr>
+          <p:cNvSpPr txBox="1"/>
+          <p:nvPr/>
+        </p:nvSpPr>
+        <p:spPr>
+          <a:xfrm>
+            <a:off x="7861433" y="1230332"/>
+            <a:ext cx="1715371" cy="369332"/>
+          </a:xfrm>
+          <a:prstGeom prst="rect">
+            <a:avLst/>
+          </a:prstGeom>
+          <a:noFill/>
+        </p:spPr>
+        <p:txBody>
+          <a:bodyPr wrap="square">
+            <a:spAutoFit/>
+          </a:bodyPr>
+          <a:lstStyle/>
+          <a:p>
+            <a:r>
+              <a:rPr lang="en-US" altLang="zh-CN" dirty="0">
+                <a:latin typeface="Times New Roman" panose="02020603050405020304" pitchFamily="18" charset="0"/>
+                <a:cs typeface="Times New Roman" panose="02020603050405020304" pitchFamily="18" charset="0"/>
+              </a:rPr>
+              <a:t>reduce variance</a:t>
+            </a:r>
+            <a:endParaRPr lang="zh-CN" altLang="en-US" dirty="0">
+              <a:latin typeface="Times New Roman" panose="02020603050405020304" pitchFamily="18" charset="0"/>
+              <a:cs typeface="Times New Roman" panose="02020603050405020304" pitchFamily="18" charset="0"/>
+            </a:endParaRPr>
+          </a:p>
+        </p:txBody>
+      </p:sp>
+    </p:spTree>
+    <p:extLst>
+      <p:ext uri="{BB962C8B-B14F-4D97-AF65-F5344CB8AC3E}">
+        <p14:creationId xmlns:p14="http://schemas.microsoft.com/office/powerpoint/2010/main" val="3496081114"/>
+      </p:ext>
+    </p:extLst>
+  </p:cSld>
+  <p:clrMapOvr>
+    <a:masterClrMapping/>
+  </p:clrMapOvr>
+</p:sld>
+</file>
+
+<file path=ppt/slides/slide2.xml><?xml version="1.0" encoding="utf-8"?>
+<p:sld xmlns:a="http://schemas.openxmlformats.org/drawingml/2006/main" xmlns:r="http://schemas.openxmlformats.org/officeDocument/2006/relationships" xmlns:p="http://schemas.openxmlformats.org/presentationml/2006/main">
+  <p:cSld>
+    <p:spTree>
+      <p:nvGrpSpPr>
+        <p:cNvPr id="1" name="">
+          <a:extLst>
+            <a:ext uri="{FF2B5EF4-FFF2-40B4-BE49-F238E27FC236}">
+              <a16:creationId xmlns:a16="http://schemas.microsoft.com/office/drawing/2014/main" id="{96C0ACEB-E070-1EB7-DFB0-7DB8B8C2749B}"/>
+            </a:ext>
+          </a:extLst>
+        </p:cNvPr>
+        <p:cNvGrpSpPr/>
+        <p:nvPr/>
+      </p:nvGrpSpPr>
+      <p:grpSpPr>
+        <a:xfrm>
+          <a:off x="0" y="0"/>
+          <a:ext cx="0" cy="0"/>
+          <a:chOff x="0" y="0"/>
+          <a:chExt cx="0" cy="0"/>
+        </a:xfrm>
+      </p:grpSpPr>
+      <p:sp>
+        <p:nvSpPr>
+          <p:cNvPr id="4" name="文本框 3">
+            <a:extLst>
+              <a:ext uri="{FF2B5EF4-FFF2-40B4-BE49-F238E27FC236}">
+                <a16:creationId xmlns:a16="http://schemas.microsoft.com/office/drawing/2014/main" id="{C7D07BEB-ECDE-56E1-D534-1F8983CF145B}"/>
+              </a:ext>
+            </a:extLst>
+          </p:cNvPr>
+          <p:cNvSpPr txBox="1"/>
+          <p:nvPr/>
+        </p:nvSpPr>
+        <p:spPr>
+          <a:xfrm>
+            <a:off x="914401" y="424543"/>
+            <a:ext cx="3374570" cy="461665"/>
+          </a:xfrm>
+          <a:prstGeom prst="rect">
+            <a:avLst/>
+          </a:prstGeom>
+          <a:noFill/>
+        </p:spPr>
+        <p:txBody>
+          <a:bodyPr wrap="square" rtlCol="0">
+            <a:spAutoFit/>
+          </a:bodyPr>
+          <a:lstStyle/>
+          <a:p>
+            <a:r>
+              <a:rPr lang="en-US" altLang="zh-CN" sz="2400" dirty="0">
+                <a:latin typeface="Times New Roman" panose="02020603050405020304" pitchFamily="18" charset="0"/>
+                <a:cs typeface="Times New Roman" panose="02020603050405020304" pitchFamily="18" charset="0"/>
+              </a:rPr>
+              <a:t>Value Function Methods</a:t>
+            </a:r>
+          </a:p>
+        </p:txBody>
+      </p:sp>
+      <p:graphicFrame>
+        <p:nvGraphicFramePr>
+          <p:cNvPr id="5" name="对象 4">
+            <a:extLst>
+              <a:ext uri="{FF2B5EF4-FFF2-40B4-BE49-F238E27FC236}">
+                <a16:creationId xmlns:a16="http://schemas.microsoft.com/office/drawing/2014/main" id="{B74EE609-DC93-B040-4511-E98FA4916FE9}"/>
+              </a:ext>
+            </a:extLst>
+          </p:cNvPr>
+          <p:cNvGraphicFramePr>
+            <a:graphicFrameLocks noChangeAspect="1"/>
+          </p:cNvGraphicFramePr>
+          <p:nvPr>
+            <p:extLst>
+              <p:ext uri="{D42A27DB-BD31-4B8C-83A1-F6EECF244321}">
+                <p14:modId xmlns:p14="http://schemas.microsoft.com/office/powerpoint/2010/main" val="3362675219"/>
+              </p:ext>
+            </p:extLst>
+          </p:nvPr>
+        </p:nvGraphicFramePr>
+        <p:xfrm>
+          <a:off x="3581401" y="1310596"/>
+          <a:ext cx="4646613" cy="852487"/>
+        </p:xfrm>
+        <a:graphic>
+          <a:graphicData uri="http://schemas.openxmlformats.org/presentationml/2006/ole">
+            <mc:AlternateContent xmlns:mc="http://schemas.openxmlformats.org/markup-compatibility/2006">
+              <mc:Choice xmlns:v="urn:schemas-microsoft-com:vml" Requires="v">
+                <p:oleObj name="AxMath" r:id="rId2" imgW="2273400" imgH="415800" progId="Equation.AxMath">
+                  <p:embed/>
+                </p:oleObj>
+              </mc:Choice>
+              <mc:Fallback>
+                <p:oleObj name="AxMath" r:id="rId2" imgW="2273400" imgH="415800" progId="Equation.AxMath">
+                  <p:embed/>
+                  <p:pic>
+                    <p:nvPicPr>
+                      <p:cNvPr id="5" name="对象 4">
+                        <a:extLst>
+                          <a:ext uri="{FF2B5EF4-FFF2-40B4-BE49-F238E27FC236}">
+                            <a16:creationId xmlns:a16="http://schemas.microsoft.com/office/drawing/2014/main" id="{00235AA2-6EDA-700A-D5EB-C91F3BAE354F}"/>
+                          </a:ext>
+                        </a:extLst>
+                      </p:cNvPr>
+                      <p:cNvPicPr/>
+                      <p:nvPr/>
+                    </p:nvPicPr>
+                    <p:blipFill>
+                      <a:blip r:embed="rId3"/>
+                      <a:stretch>
+                        <a:fillRect/>
+                      </a:stretch>
+                    </p:blipFill>
+                    <p:spPr>
+                      <a:xfrm>
+                        <a:off x="3581401" y="1310596"/>
+                        <a:ext cx="4646613" cy="852487"/>
+                      </a:xfrm>
+                      <a:prstGeom prst="rect">
+                        <a:avLst/>
+                      </a:prstGeom>
+                    </p:spPr>
+                  </p:pic>
+                </p:oleObj>
+              </mc:Fallback>
+            </mc:AlternateContent>
+          </a:graphicData>
+        </a:graphic>
+      </p:graphicFrame>
+      <p:graphicFrame>
+        <p:nvGraphicFramePr>
+          <p:cNvPr id="2" name="对象 1">
+            <a:extLst>
+              <a:ext uri="{FF2B5EF4-FFF2-40B4-BE49-F238E27FC236}">
+                <a16:creationId xmlns:a16="http://schemas.microsoft.com/office/drawing/2014/main" id="{F3357312-E75B-0738-602B-2A9A2DCFCEA8}"/>
+              </a:ext>
+            </a:extLst>
+          </p:cNvPr>
+          <p:cNvGraphicFramePr>
+            <a:graphicFrameLocks noChangeAspect="1"/>
+          </p:cNvGraphicFramePr>
+          <p:nvPr>
+            <p:extLst>
+              <p:ext uri="{D42A27DB-BD31-4B8C-83A1-F6EECF244321}">
+                <p14:modId xmlns:p14="http://schemas.microsoft.com/office/powerpoint/2010/main" val="957265163"/>
+              </p:ext>
+            </p:extLst>
+          </p:nvPr>
+        </p:nvGraphicFramePr>
+        <p:xfrm>
+          <a:off x="914401" y="2163083"/>
+          <a:ext cx="6194425" cy="2254250"/>
+        </p:xfrm>
+        <a:graphic>
+          <a:graphicData uri="http://schemas.openxmlformats.org/presentationml/2006/ole">
+            <mc:AlternateContent xmlns:mc="http://schemas.openxmlformats.org/markup-compatibility/2006">
+              <mc:Choice xmlns:v="urn:schemas-microsoft-com:vml" Requires="v">
+                <p:oleObj name="AxMath" r:id="rId4" imgW="3161880" imgH="1148760" progId="Equation.AxMath">
+                  <p:embed/>
+                </p:oleObj>
+              </mc:Choice>
+              <mc:Fallback>
+                <p:oleObj name="AxMath" r:id="rId4" imgW="3161880" imgH="1148760" progId="Equation.AxMath">
+                  <p:embed/>
+                  <p:pic>
+                    <p:nvPicPr>
+                      <p:cNvPr id="2" name="对象 1">
+                        <a:extLst>
+                          <a:ext uri="{FF2B5EF4-FFF2-40B4-BE49-F238E27FC236}">
+                            <a16:creationId xmlns:a16="http://schemas.microsoft.com/office/drawing/2014/main" id="{60B224B8-1BE6-0149-AD10-E0AD4043FFAB}"/>
+                          </a:ext>
+                        </a:extLst>
+                      </p:cNvPr>
+                      <p:cNvPicPr/>
+                      <p:nvPr/>
+                    </p:nvPicPr>
+                    <p:blipFill>
+                      <a:blip r:embed="rId5"/>
+                      <a:stretch>
+                        <a:fillRect/>
+                      </a:stretch>
+                    </p:blipFill>
+                    <p:spPr>
+                      <a:xfrm>
+                        <a:off x="914401" y="2163083"/>
+                        <a:ext cx="6194425" cy="2254250"/>
+                      </a:xfrm>
+                      <a:prstGeom prst="rect">
+                        <a:avLst/>
+                      </a:prstGeom>
+                    </p:spPr>
+                  </p:pic>
+                </p:oleObj>
+              </mc:Fallback>
+            </mc:AlternateContent>
+          </a:graphicData>
+        </a:graphic>
+      </p:graphicFrame>
+      <p:sp>
+        <p:nvSpPr>
+          <p:cNvPr id="3" name="文本框 2">
+            <a:extLst>
+              <a:ext uri="{FF2B5EF4-FFF2-40B4-BE49-F238E27FC236}">
+                <a16:creationId xmlns:a16="http://schemas.microsoft.com/office/drawing/2014/main" id="{35A07C42-3EB9-08B0-75F3-8EF4C12B0C46}"/>
+              </a:ext>
+            </a:extLst>
+          </p:cNvPr>
+          <p:cNvSpPr txBox="1"/>
+          <p:nvPr/>
+        </p:nvSpPr>
+        <p:spPr>
+          <a:xfrm>
+            <a:off x="914401" y="1462841"/>
+            <a:ext cx="3374570" cy="461665"/>
+          </a:xfrm>
+          <a:prstGeom prst="rect">
+            <a:avLst/>
+          </a:prstGeom>
+          <a:noFill/>
+        </p:spPr>
+        <p:txBody>
+          <a:bodyPr wrap="square" rtlCol="0">
+            <a:spAutoFit/>
+          </a:bodyPr>
+          <a:lstStyle/>
+          <a:p>
+            <a:r>
+              <a:rPr lang="en-US" altLang="zh-CN" sz="2400" dirty="0">
+                <a:latin typeface="Times New Roman" panose="02020603050405020304" pitchFamily="18" charset="0"/>
+                <a:cs typeface="Times New Roman" panose="02020603050405020304" pitchFamily="18" charset="0"/>
+              </a:rPr>
+              <a:t>Objective function </a:t>
+            </a:r>
+            <a:r>
+              <a:rPr lang="zh-CN" altLang="en-US" sz="2400" dirty="0">
+                <a:latin typeface="Times New Roman" panose="02020603050405020304" pitchFamily="18" charset="0"/>
+                <a:cs typeface="Times New Roman" panose="02020603050405020304" pitchFamily="18" charset="0"/>
+              </a:rPr>
+              <a:t> </a:t>
+            </a:r>
+            <a:r>
+              <a:rPr lang="en-US" altLang="zh-CN" sz="2400" dirty="0">
+                <a:latin typeface="Times New Roman" panose="02020603050405020304" pitchFamily="18" charset="0"/>
+                <a:cs typeface="Times New Roman" panose="02020603050405020304" pitchFamily="18" charset="0"/>
+              </a:rPr>
+              <a:t>:</a:t>
+            </a:r>
+            <a:r>
+              <a:rPr lang="zh-CN" altLang="en-US" sz="2400" dirty="0">
+                <a:latin typeface="Times New Roman" panose="02020603050405020304" pitchFamily="18" charset="0"/>
+                <a:cs typeface="Times New Roman" panose="02020603050405020304" pitchFamily="18" charset="0"/>
+              </a:rPr>
+              <a:t> </a:t>
+            </a:r>
+            <a:endParaRPr lang="en-US" altLang="zh-CN" sz="2400" dirty="0">
+              <a:latin typeface="Times New Roman" panose="02020603050405020304" pitchFamily="18" charset="0"/>
+              <a:cs typeface="Times New Roman" panose="02020603050405020304" pitchFamily="18" charset="0"/>
+            </a:endParaRPr>
+          </a:p>
+        </p:txBody>
+      </p:sp>
+      <p:graphicFrame>
+        <p:nvGraphicFramePr>
+          <p:cNvPr id="6" name="对象 5">
+            <a:extLst>
+              <a:ext uri="{FF2B5EF4-FFF2-40B4-BE49-F238E27FC236}">
+                <a16:creationId xmlns:a16="http://schemas.microsoft.com/office/drawing/2014/main" id="{5882B694-B2E2-7D8A-7243-5581D56A1160}"/>
+              </a:ext>
+            </a:extLst>
+          </p:cNvPr>
+          <p:cNvGraphicFramePr>
+            <a:graphicFrameLocks noChangeAspect="1"/>
+          </p:cNvGraphicFramePr>
+          <p:nvPr>
+            <p:extLst>
+              <p:ext uri="{D42A27DB-BD31-4B8C-83A1-F6EECF244321}">
+                <p14:modId xmlns:p14="http://schemas.microsoft.com/office/powerpoint/2010/main" val="2262074986"/>
+              </p:ext>
+            </p:extLst>
+          </p:nvPr>
+        </p:nvGraphicFramePr>
+        <p:xfrm>
+          <a:off x="914401" y="4399870"/>
+          <a:ext cx="10287001" cy="1739900"/>
+        </p:xfrm>
+        <a:graphic>
+          <a:graphicData uri="http://schemas.openxmlformats.org/presentationml/2006/ole">
+            <mc:AlternateContent xmlns:mc="http://schemas.openxmlformats.org/markup-compatibility/2006">
+              <mc:Choice xmlns:v="urn:schemas-microsoft-com:vml" Requires="v">
+                <p:oleObj name="AxMath" r:id="rId6" imgW="5032440" imgH="847440" progId="Equation.AxMath">
+                  <p:embed/>
+                </p:oleObj>
+              </mc:Choice>
+              <mc:Fallback>
+                <p:oleObj name="AxMath" r:id="rId6" imgW="5032440" imgH="847440" progId="Equation.AxMath">
+                  <p:embed/>
+                  <p:pic>
+                    <p:nvPicPr>
+                      <p:cNvPr id="5" name="对象 4">
+                        <a:extLst>
+                          <a:ext uri="{FF2B5EF4-FFF2-40B4-BE49-F238E27FC236}">
+                            <a16:creationId xmlns:a16="http://schemas.microsoft.com/office/drawing/2014/main" id="{B74EE609-DC93-B040-4511-E98FA4916FE9}"/>
+                          </a:ext>
+                        </a:extLst>
+                      </p:cNvPr>
+                      <p:cNvPicPr/>
+                      <p:nvPr/>
+                    </p:nvPicPr>
+                    <p:blipFill>
+                      <a:blip r:embed="rId7"/>
+                      <a:stretch>
+                        <a:fillRect/>
+                      </a:stretch>
+                    </p:blipFill>
+                    <p:spPr>
+                      <a:xfrm>
+                        <a:off x="914401" y="4399870"/>
+                        <a:ext cx="10287001" cy="1739900"/>
+                      </a:xfrm>
+                      <a:prstGeom prst="rect">
+                        <a:avLst/>
+                      </a:prstGeom>
+                    </p:spPr>
+                  </p:pic>
+                </p:oleObj>
+              </mc:Fallback>
+            </mc:AlternateContent>
+          </a:graphicData>
+        </a:graphic>
+      </p:graphicFrame>
+    </p:spTree>
+    <p:extLst>
+      <p:ext uri="{BB962C8B-B14F-4D97-AF65-F5344CB8AC3E}">
+        <p14:creationId xmlns:p14="http://schemas.microsoft.com/office/powerpoint/2010/main" val="3561738865"/>
+      </p:ext>
+    </p:extLst>
+  </p:cSld>
+  <p:clrMapOvr>
+    <a:masterClrMapping/>
+  </p:clrMapOvr>
+</p:sld>
+</file>
+
+<file path=ppt/slides/slide3.xml><?xml version="1.0" encoding="utf-8"?>
+<p:sld xmlns:a="http://schemas.openxmlformats.org/drawingml/2006/main" xmlns:r="http://schemas.openxmlformats.org/officeDocument/2006/relationships" xmlns:p="http://schemas.openxmlformats.org/presentationml/2006/main">
+  <p:cSld>
+    <p:spTree>
+      <p:nvGrpSpPr>
+        <p:cNvPr id="1" name="">
+          <a:extLst>
+            <a:ext uri="{FF2B5EF4-FFF2-40B4-BE49-F238E27FC236}">
+              <a16:creationId xmlns:a16="http://schemas.microsoft.com/office/drawing/2014/main" id="{A8917988-D708-7D2E-81E2-4C7C51BF4F26}"/>
+            </a:ext>
+          </a:extLst>
+        </p:cNvPr>
+        <p:cNvGrpSpPr/>
+        <p:nvPr/>
+      </p:nvGrpSpPr>
+      <p:grpSpPr>
+        <a:xfrm>
+          <a:off x="0" y="0"/>
+          <a:ext cx="0" cy="0"/>
+          <a:chOff x="0" y="0"/>
+          <a:chExt cx="0" cy="0"/>
+        </a:xfrm>
+      </p:grpSpPr>
+      <p:sp>
+        <p:nvSpPr>
+          <p:cNvPr id="4" name="文本框 3">
+            <a:extLst>
+              <a:ext uri="{FF2B5EF4-FFF2-40B4-BE49-F238E27FC236}">
+                <a16:creationId xmlns:a16="http://schemas.microsoft.com/office/drawing/2014/main" id="{26A68301-94D6-C1C1-2D31-841E23D8CB8D}"/>
+              </a:ext>
+            </a:extLst>
+          </p:cNvPr>
+          <p:cNvSpPr txBox="1"/>
+          <p:nvPr/>
+        </p:nvSpPr>
+        <p:spPr>
+          <a:xfrm>
+            <a:off x="914401" y="424543"/>
+            <a:ext cx="4474028" cy="461665"/>
+          </a:xfrm>
+          <a:prstGeom prst="rect">
+            <a:avLst/>
+          </a:prstGeom>
+          <a:noFill/>
+        </p:spPr>
+        <p:txBody>
+          <a:bodyPr wrap="square" rtlCol="0">
+            <a:spAutoFit/>
+          </a:bodyPr>
+          <a:lstStyle/>
+          <a:p>
+            <a:r>
+              <a:rPr lang="en-US" altLang="zh-CN" sz="2400" dirty="0" err="1">
+                <a:latin typeface="Times New Roman" panose="02020603050405020304" pitchFamily="18" charset="0"/>
+                <a:cs typeface="Times New Roman" panose="02020603050405020304" pitchFamily="18" charset="0"/>
+              </a:rPr>
+              <a:t>Sarsa</a:t>
+            </a:r>
+            <a:r>
+              <a:rPr lang="en-US" altLang="zh-CN" sz="2400" dirty="0">
+                <a:latin typeface="Times New Roman" panose="02020603050405020304" pitchFamily="18" charset="0"/>
+                <a:cs typeface="Times New Roman" panose="02020603050405020304" pitchFamily="18" charset="0"/>
+              </a:rPr>
+              <a:t> with function approximation</a:t>
+            </a:r>
+          </a:p>
+        </p:txBody>
+      </p:sp>
+      <p:pic>
+        <p:nvPicPr>
+          <p:cNvPr id="8" name="图片 7">
+            <a:extLst>
+              <a:ext uri="{FF2B5EF4-FFF2-40B4-BE49-F238E27FC236}">
+                <a16:creationId xmlns:a16="http://schemas.microsoft.com/office/drawing/2014/main" id="{D84BB0F4-A726-D8B3-2300-761AB9634335}"/>
+              </a:ext>
+            </a:extLst>
+          </p:cNvPr>
+          <p:cNvPicPr>
+            <a:picLocks noChangeAspect="1"/>
+          </p:cNvPicPr>
+          <p:nvPr/>
+        </p:nvPicPr>
+        <p:blipFill>
+          <a:blip r:embed="rId2"/>
+          <a:stretch>
+            <a:fillRect/>
+          </a:stretch>
+        </p:blipFill>
+        <p:spPr>
+          <a:xfrm>
+            <a:off x="914401" y="1321079"/>
+            <a:ext cx="9557657" cy="5278981"/>
+          </a:xfrm>
+          <a:prstGeom prst="rect">
+            <a:avLst/>
+          </a:prstGeom>
+        </p:spPr>
+      </p:pic>
+    </p:spTree>
+    <p:extLst>
+      <p:ext uri="{BB962C8B-B14F-4D97-AF65-F5344CB8AC3E}">
+        <p14:creationId xmlns:p14="http://schemas.microsoft.com/office/powerpoint/2010/main" val="76345783"/>
+      </p:ext>
+    </p:extLst>
+  </p:cSld>
+  <p:clrMapOvr>
+    <a:masterClrMapping/>
+  </p:clrMapOvr>
+</p:sld>
+</file>
+
+<file path=ppt/slides/slide4.xml><?xml version="1.0" encoding="utf-8"?>
+<p:sld xmlns:a="http://schemas.openxmlformats.org/drawingml/2006/main" xmlns:r="http://schemas.openxmlformats.org/officeDocument/2006/relationships" xmlns:p="http://schemas.openxmlformats.org/presentationml/2006/main">
+  <p:cSld>
+    <p:spTree>
+      <p:nvGrpSpPr>
+        <p:cNvPr id="1" name="">
+          <a:extLst>
+            <a:ext uri="{FF2B5EF4-FFF2-40B4-BE49-F238E27FC236}">
               <a16:creationId xmlns:a16="http://schemas.microsoft.com/office/drawing/2014/main" id="{831DFDF0-734A-30CE-94AC-58E6080A92B7}"/>
             </a:ext>
           </a:extLst>
@@ -3590,7 +4465,7 @@
 </p:sld>
 </file>
 
-<file path=ppt/slides/slide2.xml><?xml version="1.0" encoding="utf-8"?>
+<file path=ppt/slides/slide5.xml><?xml version="1.0" encoding="utf-8"?>
 <p:sld xmlns:a="http://schemas.openxmlformats.org/drawingml/2006/main" xmlns:r="http://schemas.openxmlformats.org/officeDocument/2006/relationships" xmlns:p="http://schemas.openxmlformats.org/presentationml/2006/main">
   <p:cSld>
     <p:spTree>
@@ -3916,7 +4791,7 @@
 </p:sld>
 </file>
 
-<file path=ppt/slides/slide3.xml><?xml version="1.0" encoding="utf-8"?>
+<file path=ppt/slides/slide6.xml><?xml version="1.0" encoding="utf-8"?>
 <p:sld xmlns:a="http://schemas.openxmlformats.org/drawingml/2006/main" xmlns:r="http://schemas.openxmlformats.org/officeDocument/2006/relationships" xmlns:p="http://schemas.openxmlformats.org/presentationml/2006/main">
   <p:cSld>
     <p:spTree>
@@ -4021,7 +4896,7 @@
         </p:nvSpPr>
         <p:spPr>
           <a:xfrm>
-            <a:off x="5250238" y="5481470"/>
+            <a:off x="4949277" y="4621499"/>
             <a:ext cx="845762" cy="461665"/>
           </a:xfrm>
           <a:prstGeom prst="rect">
@@ -4068,7 +4943,7 @@
 </p:sld>
 </file>
 
-<file path=ppt/slides/slide4.xml><?xml version="1.0" encoding="utf-8"?>
+<file path=ppt/slides/slide7.xml><?xml version="1.0" encoding="utf-8"?>
 <p:sld xmlns:a="http://schemas.openxmlformats.org/drawingml/2006/main" xmlns:r="http://schemas.openxmlformats.org/officeDocument/2006/relationships" xmlns:p="http://schemas.openxmlformats.org/presentationml/2006/main">
   <p:cSld>
     <p:spTree>
@@ -4274,7 +5149,7 @@
 </p:sld>
 </file>
 
-<file path=ppt/slides/slide5.xml><?xml version="1.0" encoding="utf-8"?>
+<file path=ppt/slides/slide8.xml><?xml version="1.0" encoding="utf-8"?>
 <p:sld xmlns:a="http://schemas.openxmlformats.org/drawingml/2006/main" xmlns:r="http://schemas.openxmlformats.org/officeDocument/2006/relationships" xmlns:p="http://schemas.openxmlformats.org/presentationml/2006/main">
   <p:cSld>
     <p:spTree>
@@ -4480,7 +5355,7 @@
 </p:sld>
 </file>
 
-<file path=ppt/slides/slide6.xml><?xml version="1.0" encoding="utf-8"?>
+<file path=ppt/slides/slide9.xml><?xml version="1.0" encoding="utf-8"?>
 <p:sld xmlns:a="http://schemas.openxmlformats.org/drawingml/2006/main" xmlns:r="http://schemas.openxmlformats.org/officeDocument/2006/relationships" xmlns:p="http://schemas.openxmlformats.org/presentationml/2006/main">
   <p:cSld>
     <p:spTree>
@@ -4925,240 +5800,6 @@
     <p:extLst>
       <p:ext uri="{BB962C8B-B14F-4D97-AF65-F5344CB8AC3E}">
         <p14:creationId xmlns:p14="http://schemas.microsoft.com/office/powerpoint/2010/main" val="3049110329"/>
-      </p:ext>
-    </p:extLst>
-  </p:cSld>
-  <p:clrMapOvr>
-    <a:masterClrMapping/>
-  </p:clrMapOvr>
-</p:sld>
-</file>
-
-<file path=ppt/slides/slide7.xml><?xml version="1.0" encoding="utf-8"?>
-<p:sld xmlns:a="http://schemas.openxmlformats.org/drawingml/2006/main" xmlns:r="http://schemas.openxmlformats.org/officeDocument/2006/relationships" xmlns:p="http://schemas.openxmlformats.org/presentationml/2006/main">
-  <p:cSld>
-    <p:spTree>
-      <p:nvGrpSpPr>
-        <p:cNvPr id="1" name="">
-          <a:extLst>
-            <a:ext uri="{FF2B5EF4-FFF2-40B4-BE49-F238E27FC236}">
-              <a16:creationId xmlns:a16="http://schemas.microsoft.com/office/drawing/2014/main" id="{455B9A5C-3791-0620-1638-8DFF4D6DAE93}"/>
-            </a:ext>
-          </a:extLst>
-        </p:cNvPr>
-        <p:cNvGrpSpPr/>
-        <p:nvPr/>
-      </p:nvGrpSpPr>
-      <p:grpSpPr>
-        <a:xfrm>
-          <a:off x="0" y="0"/>
-          <a:ext cx="0" cy="0"/>
-          <a:chOff x="0" y="0"/>
-          <a:chExt cx="0" cy="0"/>
-        </a:xfrm>
-      </p:grpSpPr>
-      <p:sp>
-        <p:nvSpPr>
-          <p:cNvPr id="4" name="文本框 3">
-            <a:extLst>
-              <a:ext uri="{FF2B5EF4-FFF2-40B4-BE49-F238E27FC236}">
-                <a16:creationId xmlns:a16="http://schemas.microsoft.com/office/drawing/2014/main" id="{F4CDF9C4-A6BD-8256-BA77-69A10D58A636}"/>
-              </a:ext>
-            </a:extLst>
-          </p:cNvPr>
-          <p:cNvSpPr txBox="1"/>
-          <p:nvPr/>
-        </p:nvSpPr>
-        <p:spPr>
-          <a:xfrm>
-            <a:off x="862357" y="495287"/>
-            <a:ext cx="6828228" cy="461665"/>
-          </a:xfrm>
-          <a:prstGeom prst="rect">
-            <a:avLst/>
-          </a:prstGeom>
-          <a:noFill/>
-        </p:spPr>
-        <p:txBody>
-          <a:bodyPr wrap="square" rtlCol="0">
-            <a:spAutoFit/>
-          </a:bodyPr>
-          <a:lstStyle/>
-          <a:p>
-            <a:r>
-              <a:rPr lang="en-US" altLang="zh-CN" sz="2400" dirty="0">
-                <a:latin typeface="Times New Roman" panose="02020603050405020304" pitchFamily="18" charset="0"/>
-                <a:cs typeface="Times New Roman" panose="02020603050405020304" pitchFamily="18" charset="0"/>
-              </a:rPr>
-              <a:t>Advantage actor-critic (A2C) or TD actor-critic</a:t>
-            </a:r>
-          </a:p>
-        </p:txBody>
-      </p:sp>
-      <p:pic>
-        <p:nvPicPr>
-          <p:cNvPr id="6" name="图片 5">
-            <a:extLst>
-              <a:ext uri="{FF2B5EF4-FFF2-40B4-BE49-F238E27FC236}">
-                <a16:creationId xmlns:a16="http://schemas.microsoft.com/office/drawing/2014/main" id="{F0A33539-D0E4-7D3C-F865-E9BCDB28D6BD}"/>
-              </a:ext>
-            </a:extLst>
-          </p:cNvPr>
-          <p:cNvPicPr>
-            <a:picLocks noChangeAspect="1"/>
-          </p:cNvPicPr>
-          <p:nvPr/>
-        </p:nvPicPr>
-        <p:blipFill>
-          <a:blip r:embed="rId2"/>
-          <a:stretch>
-            <a:fillRect/>
-          </a:stretch>
-        </p:blipFill>
-        <p:spPr>
-          <a:xfrm>
-            <a:off x="862357" y="1814409"/>
-            <a:ext cx="9253795" cy="4264177"/>
-          </a:xfrm>
-          <a:prstGeom prst="rect">
-            <a:avLst/>
-          </a:prstGeom>
-        </p:spPr>
-      </p:pic>
-      <p:sp>
-        <p:nvSpPr>
-          <p:cNvPr id="7" name="文本框 6">
-            <a:extLst>
-              <a:ext uri="{FF2B5EF4-FFF2-40B4-BE49-F238E27FC236}">
-                <a16:creationId xmlns:a16="http://schemas.microsoft.com/office/drawing/2014/main" id="{867AC2AE-1026-6EB3-9DE0-946D5575719E}"/>
-              </a:ext>
-            </a:extLst>
-          </p:cNvPr>
-          <p:cNvSpPr txBox="1"/>
-          <p:nvPr/>
-        </p:nvSpPr>
-        <p:spPr>
-          <a:xfrm>
-            <a:off x="862357" y="1157295"/>
-            <a:ext cx="2756742" cy="461665"/>
-          </a:xfrm>
-          <a:prstGeom prst="rect">
-            <a:avLst/>
-          </a:prstGeom>
-          <a:noFill/>
-        </p:spPr>
-        <p:txBody>
-          <a:bodyPr wrap="square" rtlCol="0">
-            <a:spAutoFit/>
-          </a:bodyPr>
-          <a:lstStyle/>
-          <a:p>
-            <a:r>
-              <a:rPr lang="en-US" altLang="zh-CN" sz="2400" dirty="0">
-                <a:solidFill>
-                  <a:srgbClr val="FF0000"/>
-                </a:solidFill>
-                <a:latin typeface="Times New Roman" panose="02020603050405020304" pitchFamily="18" charset="0"/>
-                <a:cs typeface="Times New Roman" panose="02020603050405020304" pitchFamily="18" charset="0"/>
-              </a:rPr>
-              <a:t>Advantage Function :</a:t>
-            </a:r>
-            <a:r>
-              <a:rPr lang="zh-CN" altLang="en-US" sz="2400" dirty="0">
-                <a:solidFill>
-                  <a:srgbClr val="FF0000"/>
-                </a:solidFill>
-                <a:latin typeface="Times New Roman" panose="02020603050405020304" pitchFamily="18" charset="0"/>
-                <a:cs typeface="Times New Roman" panose="02020603050405020304" pitchFamily="18" charset="0"/>
-              </a:rPr>
-              <a:t> </a:t>
-            </a:r>
-            <a:endParaRPr lang="en-US" altLang="zh-CN" sz="2400" dirty="0">
-              <a:solidFill>
-                <a:srgbClr val="FF0000"/>
-              </a:solidFill>
-              <a:latin typeface="Times New Roman" panose="02020603050405020304" pitchFamily="18" charset="0"/>
-              <a:cs typeface="Times New Roman" panose="02020603050405020304" pitchFamily="18" charset="0"/>
-            </a:endParaRPr>
-          </a:p>
-        </p:txBody>
-      </p:sp>
-      <p:pic>
-        <p:nvPicPr>
-          <p:cNvPr id="9" name="图片 8">
-            <a:extLst>
-              <a:ext uri="{FF2B5EF4-FFF2-40B4-BE49-F238E27FC236}">
-                <a16:creationId xmlns:a16="http://schemas.microsoft.com/office/drawing/2014/main" id="{FCAAEB03-1D21-1079-CC85-3503AFB06028}"/>
-              </a:ext>
-            </a:extLst>
-          </p:cNvPr>
-          <p:cNvPicPr>
-            <a:picLocks noChangeAspect="1"/>
-          </p:cNvPicPr>
-          <p:nvPr/>
-        </p:nvPicPr>
-        <p:blipFill>
-          <a:blip r:embed="rId3"/>
-          <a:stretch>
-            <a:fillRect/>
-          </a:stretch>
-        </p:blipFill>
-        <p:spPr>
-          <a:xfrm>
-            <a:off x="3744328" y="1152401"/>
-            <a:ext cx="3772569" cy="601850"/>
-          </a:xfrm>
-          <a:prstGeom prst="rect">
-            <a:avLst/>
-          </a:prstGeom>
-        </p:spPr>
-      </p:pic>
-      <p:sp>
-        <p:nvSpPr>
-          <p:cNvPr id="11" name="文本框 10">
-            <a:extLst>
-              <a:ext uri="{FF2B5EF4-FFF2-40B4-BE49-F238E27FC236}">
-                <a16:creationId xmlns:a16="http://schemas.microsoft.com/office/drawing/2014/main" id="{99BE07A1-8944-1695-5D03-DABEA12FD6F8}"/>
-              </a:ext>
-            </a:extLst>
-          </p:cNvPr>
-          <p:cNvSpPr txBox="1"/>
-          <p:nvPr/>
-        </p:nvSpPr>
-        <p:spPr>
-          <a:xfrm>
-            <a:off x="7861433" y="1230332"/>
-            <a:ext cx="1715371" cy="369332"/>
-          </a:xfrm>
-          <a:prstGeom prst="rect">
-            <a:avLst/>
-          </a:prstGeom>
-          <a:noFill/>
-        </p:spPr>
-        <p:txBody>
-          <a:bodyPr wrap="square">
-            <a:spAutoFit/>
-          </a:bodyPr>
-          <a:lstStyle/>
-          <a:p>
-            <a:r>
-              <a:rPr lang="en-US" altLang="zh-CN" dirty="0">
-                <a:latin typeface="Times New Roman" panose="02020603050405020304" pitchFamily="18" charset="0"/>
-                <a:cs typeface="Times New Roman" panose="02020603050405020304" pitchFamily="18" charset="0"/>
-              </a:rPr>
-              <a:t>reduce variance</a:t>
-            </a:r>
-            <a:endParaRPr lang="zh-CN" altLang="en-US" dirty="0">
-              <a:latin typeface="Times New Roman" panose="02020603050405020304" pitchFamily="18" charset="0"/>
-              <a:cs typeface="Times New Roman" panose="02020603050405020304" pitchFamily="18" charset="0"/>
-            </a:endParaRPr>
-          </a:p>
-        </p:txBody>
-      </p:sp>
-    </p:spTree>
-    <p:extLst>
-      <p:ext uri="{BB962C8B-B14F-4D97-AF65-F5344CB8AC3E}">
-        <p14:creationId xmlns:p14="http://schemas.microsoft.com/office/powerpoint/2010/main" val="3496081114"/>
       </p:ext>
     </p:extLst>
   </p:cSld>
